--- a/中期答辩/宠物生活APP的设计与实现.pptx
+++ b/中期答辩/宠物生活APP的设计与实现.pptx
@@ -2406,13 +2406,13 @@
   <p:clrMapOvr>
     <a:masterClrMapping/>
   </p:clrMapOvr>
-  <mc:AlternateContent xmlns:mc="http://schemas.openxmlformats.org/markup-compatibility/2006">
-    <mc:Choice xmlns:p14="http://schemas.microsoft.com/office/powerpoint/2010/main" Requires="p14">
+  <mc:AlternateContent xmlns:mc="http://schemas.openxmlformats.org/markup-compatibility/2006" xmlns:p14="http://schemas.microsoft.com/office/powerpoint/2010/main">
+    <mc:Choice Requires="p14">
       <p:transition spd="slow" p14:dur="1500">
         <p14:window dir="vert"/>
       </p:transition>
     </mc:Choice>
-    <mc:Fallback>
+    <mc:Fallback xmlns="">
       <p:transition spd="slow">
         <p:fade/>
       </p:transition>
@@ -2603,13 +2603,13 @@
   <p:clrMapOvr>
     <a:masterClrMapping/>
   </p:clrMapOvr>
-  <mc:AlternateContent xmlns:mc="http://schemas.openxmlformats.org/markup-compatibility/2006">
-    <mc:Choice xmlns:p14="http://schemas.microsoft.com/office/powerpoint/2010/main" Requires="p14">
+  <mc:AlternateContent xmlns:mc="http://schemas.openxmlformats.org/markup-compatibility/2006" xmlns:p14="http://schemas.microsoft.com/office/powerpoint/2010/main">
+    <mc:Choice Requires="p14">
       <p:transition spd="slow" p14:dur="1500">
         <p14:window dir="vert"/>
       </p:transition>
     </mc:Choice>
-    <mc:Fallback>
+    <mc:Fallback xmlns="">
       <p:transition spd="slow">
         <p:fade/>
       </p:transition>
@@ -2800,13 +2800,13 @@
   <p:clrMapOvr>
     <a:masterClrMapping/>
   </p:clrMapOvr>
-  <mc:AlternateContent xmlns:mc="http://schemas.openxmlformats.org/markup-compatibility/2006">
-    <mc:Choice xmlns:p14="http://schemas.microsoft.com/office/powerpoint/2010/main" Requires="p14">
+  <mc:AlternateContent xmlns:mc="http://schemas.openxmlformats.org/markup-compatibility/2006" xmlns:p14="http://schemas.microsoft.com/office/powerpoint/2010/main">
+    <mc:Choice Requires="p14">
       <p:transition spd="slow" p14:dur="1500">
         <p14:window dir="vert"/>
       </p:transition>
     </mc:Choice>
-    <mc:Fallback>
+    <mc:Fallback xmlns="">
       <p:transition spd="slow">
         <p:fade/>
       </p:transition>
@@ -2997,13 +2997,13 @@
   <p:clrMapOvr>
     <a:masterClrMapping/>
   </p:clrMapOvr>
-  <mc:AlternateContent xmlns:mc="http://schemas.openxmlformats.org/markup-compatibility/2006">
-    <mc:Choice xmlns:p14="http://schemas.microsoft.com/office/powerpoint/2010/main" Requires="p14">
+  <mc:AlternateContent xmlns:mc="http://schemas.openxmlformats.org/markup-compatibility/2006" xmlns:p14="http://schemas.microsoft.com/office/powerpoint/2010/main">
+    <mc:Choice Requires="p14">
       <p:transition spd="slow" p14:dur="1500">
         <p14:window dir="vert"/>
       </p:transition>
     </mc:Choice>
-    <mc:Fallback>
+    <mc:Fallback xmlns="">
       <p:transition spd="slow">
         <p:fade/>
       </p:transition>
@@ -3187,13 +3187,13 @@
   <p:clrMapOvr>
     <a:masterClrMapping/>
   </p:clrMapOvr>
-  <mc:AlternateContent xmlns:mc="http://schemas.openxmlformats.org/markup-compatibility/2006">
-    <mc:Choice xmlns:p14="http://schemas.microsoft.com/office/powerpoint/2010/main" Requires="p14">
+  <mc:AlternateContent xmlns:mc="http://schemas.openxmlformats.org/markup-compatibility/2006" xmlns:p14="http://schemas.microsoft.com/office/powerpoint/2010/main">
+    <mc:Choice Requires="p14">
       <p:transition spd="slow" p14:dur="1500">
         <p14:window dir="vert"/>
       </p:transition>
     </mc:Choice>
-    <mc:Fallback>
+    <mc:Fallback xmlns="">
       <p:transition spd="slow">
         <p:fade/>
       </p:transition>
@@ -3377,13 +3377,13 @@
   <p:clrMapOvr>
     <a:masterClrMapping/>
   </p:clrMapOvr>
-  <mc:AlternateContent xmlns:mc="http://schemas.openxmlformats.org/markup-compatibility/2006">
-    <mc:Choice xmlns:p14="http://schemas.microsoft.com/office/powerpoint/2010/main" Requires="p14">
+  <mc:AlternateContent xmlns:mc="http://schemas.openxmlformats.org/markup-compatibility/2006" xmlns:p14="http://schemas.microsoft.com/office/powerpoint/2010/main">
+    <mc:Choice Requires="p14">
       <p:transition spd="slow" p14:dur="1500">
         <p14:window dir="vert"/>
       </p:transition>
     </mc:Choice>
-    <mc:Fallback>
+    <mc:Fallback xmlns="">
       <p:transition spd="slow">
         <p:fade/>
       </p:transition>
@@ -3566,13 +3566,13 @@
   <p:clrMapOvr>
     <a:masterClrMapping/>
   </p:clrMapOvr>
-  <mc:AlternateContent xmlns:mc="http://schemas.openxmlformats.org/markup-compatibility/2006">
-    <mc:Choice xmlns:p14="http://schemas.microsoft.com/office/powerpoint/2010/main" Requires="p14">
+  <mc:AlternateContent xmlns:mc="http://schemas.openxmlformats.org/markup-compatibility/2006" xmlns:p14="http://schemas.microsoft.com/office/powerpoint/2010/main">
+    <mc:Choice Requires="p14">
       <p:transition spd="slow" p14:dur="1500">
         <p14:window dir="vert"/>
       </p:transition>
     </mc:Choice>
-    <mc:Fallback>
+    <mc:Fallback xmlns="">
       <p:transition spd="slow">
         <p:fade/>
       </p:transition>
@@ -3848,13 +3848,13 @@
   <p:clrMapOvr>
     <a:masterClrMapping/>
   </p:clrMapOvr>
-  <mc:AlternateContent xmlns:mc="http://schemas.openxmlformats.org/markup-compatibility/2006">
-    <mc:Choice xmlns:p14="http://schemas.microsoft.com/office/powerpoint/2010/main" Requires="p14">
+  <mc:AlternateContent xmlns:mc="http://schemas.openxmlformats.org/markup-compatibility/2006" xmlns:p14="http://schemas.microsoft.com/office/powerpoint/2010/main">
+    <mc:Choice Requires="p14">
       <p:transition spd="slow" p14:dur="1500">
         <p14:window dir="vert"/>
       </p:transition>
     </mc:Choice>
-    <mc:Fallback>
+    <mc:Fallback xmlns="">
       <p:transition spd="slow">
         <p:fade/>
       </p:transition>
@@ -4107,13 +4107,13 @@
   <p:clrMapOvr>
     <a:masterClrMapping/>
   </p:clrMapOvr>
-  <mc:AlternateContent xmlns:mc="http://schemas.openxmlformats.org/markup-compatibility/2006">
-    <mc:Choice xmlns:p14="http://schemas.microsoft.com/office/powerpoint/2010/main" Requires="p14">
+  <mc:AlternateContent xmlns:mc="http://schemas.openxmlformats.org/markup-compatibility/2006" xmlns:p14="http://schemas.microsoft.com/office/powerpoint/2010/main">
+    <mc:Choice Requires="p14">
       <p:transition spd="slow" p14:dur="1500">
         <p14:window dir="vert"/>
       </p:transition>
     </mc:Choice>
-    <mc:Fallback>
+    <mc:Fallback xmlns="">
       <p:transition spd="slow">
         <p:fade/>
       </p:transition>
@@ -4282,13 +4282,13 @@
   <p:clrMapOvr>
     <a:masterClrMapping/>
   </p:clrMapOvr>
-  <mc:AlternateContent xmlns:mc="http://schemas.openxmlformats.org/markup-compatibility/2006">
-    <mc:Choice xmlns:p14="http://schemas.microsoft.com/office/powerpoint/2010/main" Requires="p14">
+  <mc:AlternateContent xmlns:mc="http://schemas.openxmlformats.org/markup-compatibility/2006" xmlns:p14="http://schemas.microsoft.com/office/powerpoint/2010/main">
+    <mc:Choice Requires="p14">
       <p:transition spd="slow" p14:dur="1500">
         <p14:window dir="vert"/>
       </p:transition>
     </mc:Choice>
-    <mc:Fallback>
+    <mc:Fallback xmlns="">
       <p:transition spd="slow">
         <p:fade/>
       </p:transition>
@@ -4467,13 +4467,13 @@
   <p:clrMapOvr>
     <a:masterClrMapping/>
   </p:clrMapOvr>
-  <mc:AlternateContent xmlns:mc="http://schemas.openxmlformats.org/markup-compatibility/2006">
-    <mc:Choice xmlns:p14="http://schemas.microsoft.com/office/powerpoint/2010/main" Requires="p14">
+  <mc:AlternateContent xmlns:mc="http://schemas.openxmlformats.org/markup-compatibility/2006" xmlns:p14="http://schemas.microsoft.com/office/powerpoint/2010/main">
+    <mc:Choice Requires="p14">
       <p:transition spd="slow" p14:dur="1500">
         <p14:window dir="vert"/>
       </p:transition>
     </mc:Choice>
-    <mc:Fallback>
+    <mc:Fallback xmlns="">
       <p:transition spd="slow">
         <p:fade/>
       </p:transition>
@@ -4642,13 +4642,13 @@
   <p:clrMapOvr>
     <a:masterClrMapping/>
   </p:clrMapOvr>
-  <mc:AlternateContent xmlns:mc="http://schemas.openxmlformats.org/markup-compatibility/2006">
-    <mc:Choice xmlns:p14="http://schemas.microsoft.com/office/powerpoint/2010/main" Requires="p14">
+  <mc:AlternateContent xmlns:mc="http://schemas.openxmlformats.org/markup-compatibility/2006" xmlns:p14="http://schemas.microsoft.com/office/powerpoint/2010/main">
+    <mc:Choice Requires="p14">
       <p:transition spd="slow" p14:dur="1500">
         <p14:window dir="vert"/>
       </p:transition>
     </mc:Choice>
-    <mc:Fallback>
+    <mc:Fallback xmlns="">
       <p:transition spd="slow">
         <p:fade/>
       </p:transition>
@@ -4684,13 +4684,13 @@
   <p:clrMapOvr>
     <a:masterClrMapping/>
   </p:clrMapOvr>
-  <mc:AlternateContent xmlns:mc="http://schemas.openxmlformats.org/markup-compatibility/2006">
-    <mc:Choice xmlns:p14="http://schemas.microsoft.com/office/powerpoint/2010/main" Requires="p14">
+  <mc:AlternateContent xmlns:mc="http://schemas.openxmlformats.org/markup-compatibility/2006" xmlns:p14="http://schemas.microsoft.com/office/powerpoint/2010/main">
+    <mc:Choice Requires="p14">
       <p:transition spd="slow" p14:dur="1500">
         <p14:window dir="vert"/>
       </p:transition>
     </mc:Choice>
-    <mc:Fallback>
+    <mc:Fallback xmlns="">
       <p:transition spd="slow">
         <p:fade/>
       </p:transition>
@@ -4734,13 +4734,13 @@
   <p:clrMapOvr>
     <a:masterClrMapping/>
   </p:clrMapOvr>
-  <mc:AlternateContent xmlns:mc="http://schemas.openxmlformats.org/markup-compatibility/2006">
-    <mc:Choice xmlns:p14="http://schemas.microsoft.com/office/powerpoint/2010/main" Requires="p14">
+  <mc:AlternateContent xmlns:mc="http://schemas.openxmlformats.org/markup-compatibility/2006" xmlns:p14="http://schemas.microsoft.com/office/powerpoint/2010/main">
+    <mc:Choice Requires="p14">
       <p:transition spd="slow" p14:dur="1500">
         <p14:window dir="vert"/>
       </p:transition>
     </mc:Choice>
-    <mc:Fallback>
+    <mc:Fallback xmlns="">
       <p:transition spd="slow">
         <p:fade/>
       </p:transition>
@@ -4776,13 +4776,13 @@
   <p:clrMapOvr>
     <a:masterClrMapping/>
   </p:clrMapOvr>
-  <mc:AlternateContent xmlns:mc="http://schemas.openxmlformats.org/markup-compatibility/2006">
-    <mc:Choice xmlns:p14="http://schemas.microsoft.com/office/powerpoint/2010/main" Requires="p14">
+  <mc:AlternateContent xmlns:mc="http://schemas.openxmlformats.org/markup-compatibility/2006" xmlns:p14="http://schemas.microsoft.com/office/powerpoint/2010/main">
+    <mc:Choice Requires="p14">
       <p:transition spd="slow" p14:dur="1500">
         <p14:window dir="vert"/>
       </p:transition>
     </mc:Choice>
-    <mc:Fallback>
+    <mc:Fallback xmlns="">
       <p:transition spd="slow">
         <p:fade/>
       </p:transition>
@@ -4818,13 +4818,13 @@
   <p:clrMapOvr>
     <a:masterClrMapping/>
   </p:clrMapOvr>
-  <mc:AlternateContent xmlns:mc="http://schemas.openxmlformats.org/markup-compatibility/2006">
-    <mc:Choice xmlns:p14="http://schemas.microsoft.com/office/powerpoint/2010/main" Requires="p14">
+  <mc:AlternateContent xmlns:mc="http://schemas.openxmlformats.org/markup-compatibility/2006" xmlns:p14="http://schemas.microsoft.com/office/powerpoint/2010/main">
+    <mc:Choice Requires="p14">
       <p:transition spd="slow" p14:dur="1500">
         <p14:window dir="vert"/>
       </p:transition>
     </mc:Choice>
-    <mc:Fallback>
+    <mc:Fallback xmlns="">
       <p:transition spd="slow">
         <p:fade/>
       </p:transition>
@@ -4947,13 +4947,13 @@
   <p:clrMapOvr>
     <a:masterClrMapping/>
   </p:clrMapOvr>
-  <mc:AlternateContent xmlns:mc="http://schemas.openxmlformats.org/markup-compatibility/2006">
-    <mc:Choice xmlns:p14="http://schemas.microsoft.com/office/powerpoint/2010/main" Requires="p14">
+  <mc:AlternateContent xmlns:mc="http://schemas.openxmlformats.org/markup-compatibility/2006" xmlns:p14="http://schemas.microsoft.com/office/powerpoint/2010/main">
+    <mc:Choice Requires="p14">
       <p:transition spd="slow" p14:dur="1500">
         <p14:window dir="vert"/>
       </p:transition>
     </mc:Choice>
-    <mc:Fallback>
+    <mc:Fallback xmlns="">
       <p:transition spd="slow">
         <p:fade/>
       </p:transition>
@@ -4989,13 +4989,13 @@
   <p:clrMapOvr>
     <a:masterClrMapping/>
   </p:clrMapOvr>
-  <mc:AlternateContent xmlns:mc="http://schemas.openxmlformats.org/markup-compatibility/2006">
-    <mc:Choice xmlns:p14="http://schemas.microsoft.com/office/powerpoint/2010/main" Requires="p14">
+  <mc:AlternateContent xmlns:mc="http://schemas.openxmlformats.org/markup-compatibility/2006" xmlns:p14="http://schemas.microsoft.com/office/powerpoint/2010/main">
+    <mc:Choice Requires="p14">
       <p:transition spd="slow" p14:dur="1500">
         <p14:window dir="vert"/>
       </p:transition>
     </mc:Choice>
-    <mc:Fallback>
+    <mc:Fallback xmlns="">
       <p:transition spd="slow">
         <p:fade/>
       </p:transition>
@@ -5031,13 +5031,13 @@
   <p:clrMapOvr>
     <a:masterClrMapping/>
   </p:clrMapOvr>
-  <mc:AlternateContent xmlns:mc="http://schemas.openxmlformats.org/markup-compatibility/2006">
-    <mc:Choice xmlns:p14="http://schemas.microsoft.com/office/powerpoint/2010/main" Requires="p14">
+  <mc:AlternateContent xmlns:mc="http://schemas.openxmlformats.org/markup-compatibility/2006" xmlns:p14="http://schemas.microsoft.com/office/powerpoint/2010/main">
+    <mc:Choice Requires="p14">
       <p:transition spd="slow" p14:dur="1500">
         <p14:window dir="vert"/>
       </p:transition>
     </mc:Choice>
-    <mc:Fallback>
+    <mc:Fallback xmlns="">
       <p:transition spd="slow">
         <p:fade/>
       </p:transition>
@@ -5283,13 +5283,13 @@
   <p:clrMapOvr>
     <a:masterClrMapping/>
   </p:clrMapOvr>
-  <mc:AlternateContent xmlns:mc="http://schemas.openxmlformats.org/markup-compatibility/2006">
-    <mc:Choice xmlns:p14="http://schemas.microsoft.com/office/powerpoint/2010/main" Requires="p14">
+  <mc:AlternateContent xmlns:mc="http://schemas.openxmlformats.org/markup-compatibility/2006" xmlns:p14="http://schemas.microsoft.com/office/powerpoint/2010/main">
+    <mc:Choice Requires="p14">
       <p:transition spd="slow" p14:dur="1500">
         <p14:window dir="vert"/>
       </p:transition>
     </mc:Choice>
-    <mc:Fallback>
+    <mc:Fallback xmlns="">
       <p:transition spd="slow">
         <p:fade/>
       </p:transition>
@@ -5575,13 +5575,13 @@
   <p:clrMapOvr>
     <a:masterClrMapping/>
   </p:clrMapOvr>
-  <mc:AlternateContent xmlns:mc="http://schemas.openxmlformats.org/markup-compatibility/2006">
-    <mc:Choice xmlns:p14="http://schemas.microsoft.com/office/powerpoint/2010/main" Requires="p14">
+  <mc:AlternateContent xmlns:mc="http://schemas.openxmlformats.org/markup-compatibility/2006" xmlns:p14="http://schemas.microsoft.com/office/powerpoint/2010/main">
+    <mc:Choice Requires="p14">
       <p:transition spd="slow" p14:dur="1500">
         <p14:window dir="vert"/>
       </p:transition>
     </mc:Choice>
-    <mc:Fallback>
+    <mc:Fallback xmlns="">
       <p:transition spd="slow">
         <p:fade/>
       </p:transition>
@@ -6001,13 +6001,13 @@
   <p:clrMapOvr>
     <a:masterClrMapping/>
   </p:clrMapOvr>
-  <mc:AlternateContent xmlns:mc="http://schemas.openxmlformats.org/markup-compatibility/2006">
-    <mc:Choice xmlns:p14="http://schemas.microsoft.com/office/powerpoint/2010/main" Requires="p14">
+  <mc:AlternateContent xmlns:mc="http://schemas.openxmlformats.org/markup-compatibility/2006" xmlns:p14="http://schemas.microsoft.com/office/powerpoint/2010/main">
+    <mc:Choice Requires="p14">
       <p:transition spd="slow" p14:dur="1500">
         <p14:window dir="vert"/>
       </p:transition>
     </mc:Choice>
-    <mc:Fallback>
+    <mc:Fallback xmlns="">
       <p:transition spd="slow">
         <p:fade/>
       </p:transition>
@@ -6125,13 +6125,13 @@
   <p:clrMapOvr>
     <a:masterClrMapping/>
   </p:clrMapOvr>
-  <mc:AlternateContent xmlns:mc="http://schemas.openxmlformats.org/markup-compatibility/2006">
-    <mc:Choice xmlns:p14="http://schemas.microsoft.com/office/powerpoint/2010/main" Requires="p14">
+  <mc:AlternateContent xmlns:mc="http://schemas.openxmlformats.org/markup-compatibility/2006" xmlns:p14="http://schemas.microsoft.com/office/powerpoint/2010/main">
+    <mc:Choice Requires="p14">
       <p:transition spd="slow" p14:dur="1500">
         <p14:window dir="vert"/>
       </p:transition>
     </mc:Choice>
-    <mc:Fallback>
+    <mc:Fallback xmlns="">
       <p:transition spd="slow">
         <p:fade/>
       </p:transition>
@@ -6227,13 +6227,13 @@
   <p:clrMapOvr>
     <a:masterClrMapping/>
   </p:clrMapOvr>
-  <mc:AlternateContent xmlns:mc="http://schemas.openxmlformats.org/markup-compatibility/2006">
-    <mc:Choice xmlns:p14="http://schemas.microsoft.com/office/powerpoint/2010/main" Requires="p14">
+  <mc:AlternateContent xmlns:mc="http://schemas.openxmlformats.org/markup-compatibility/2006" xmlns:p14="http://schemas.microsoft.com/office/powerpoint/2010/main">
+    <mc:Choice Requires="p14">
       <p:transition spd="slow" p14:dur="1500">
         <p14:window dir="vert"/>
       </p:transition>
     </mc:Choice>
-    <mc:Fallback>
+    <mc:Fallback xmlns="">
       <p:transition spd="slow">
         <p:fade/>
       </p:transition>
@@ -6424,13 +6424,13 @@
   <p:clrMapOvr>
     <a:masterClrMapping/>
   </p:clrMapOvr>
-  <mc:AlternateContent xmlns:mc="http://schemas.openxmlformats.org/markup-compatibility/2006">
-    <mc:Choice xmlns:p14="http://schemas.microsoft.com/office/powerpoint/2010/main" Requires="p14">
+  <mc:AlternateContent xmlns:mc="http://schemas.openxmlformats.org/markup-compatibility/2006" xmlns:p14="http://schemas.microsoft.com/office/powerpoint/2010/main">
+    <mc:Choice Requires="p14">
       <p:transition spd="slow" p14:dur="1500">
         <p14:window dir="vert"/>
       </p:transition>
     </mc:Choice>
-    <mc:Fallback>
+    <mc:Fallback xmlns="">
       <p:transition spd="slow">
         <p:fade/>
       </p:transition>
@@ -6621,13 +6621,13 @@
   <p:clrMapOvr>
     <a:masterClrMapping/>
   </p:clrMapOvr>
-  <mc:AlternateContent xmlns:mc="http://schemas.openxmlformats.org/markup-compatibility/2006">
-    <mc:Choice xmlns:p14="http://schemas.microsoft.com/office/powerpoint/2010/main" Requires="p14">
+  <mc:AlternateContent xmlns:mc="http://schemas.openxmlformats.org/markup-compatibility/2006" xmlns:p14="http://schemas.microsoft.com/office/powerpoint/2010/main">
+    <mc:Choice Requires="p14">
       <p:transition spd="slow" p14:dur="1500">
         <p14:window dir="vert"/>
       </p:transition>
     </mc:Choice>
-    <mc:Fallback>
+    <mc:Fallback xmlns="">
       <p:transition spd="slow">
         <p:fade/>
       </p:transition>
@@ -6901,13 +6901,13 @@
     <p:sldLayoutId id="2147483688" r:id="rId25"/>
     <p:sldLayoutId id="2147483689" r:id="rId26"/>
   </p:sldLayoutIdLst>
-  <mc:AlternateContent xmlns:mc="http://schemas.openxmlformats.org/markup-compatibility/2006">
-    <mc:Choice xmlns:p14="http://schemas.microsoft.com/office/powerpoint/2010/main" Requires="p14">
+  <mc:AlternateContent xmlns:mc="http://schemas.openxmlformats.org/markup-compatibility/2006" xmlns:p14="http://schemas.microsoft.com/office/powerpoint/2010/main">
+    <mc:Choice Requires="p14">
       <p:transition spd="slow" p14:dur="1500">
         <p14:window dir="vert"/>
       </p:transition>
     </mc:Choice>
-    <mc:Fallback>
+    <mc:Fallback xmlns="">
       <p:transition spd="slow">
         <p:fade/>
       </p:transition>
@@ -7680,11 +7680,11 @@
   <p:clrMapOvr>
     <a:masterClrMapping/>
   </p:clrMapOvr>
-  <mc:AlternateContent xmlns:mc="http://schemas.openxmlformats.org/markup-compatibility/2006">
-    <mc:Choice xmlns:p14="http://schemas.microsoft.com/office/powerpoint/2010/main" Requires="p14">
+  <mc:AlternateContent xmlns:mc="http://schemas.openxmlformats.org/markup-compatibility/2006" xmlns:p14="http://schemas.microsoft.com/office/powerpoint/2010/main">
+    <mc:Choice Requires="p14">
       <p:transition p14:dur="0"/>
     </mc:Choice>
-    <mc:Fallback>
+    <mc:Fallback xmlns="">
       <p:transition/>
     </mc:Fallback>
   </mc:AlternateContent>
@@ -8038,13 +8038,13 @@
   <p:clrMapOvr>
     <a:masterClrMapping/>
   </p:clrMapOvr>
-  <mc:AlternateContent xmlns:mc="http://schemas.openxmlformats.org/markup-compatibility/2006">
-    <mc:Choice xmlns:p14="http://schemas.microsoft.com/office/powerpoint/2010/main" Requires="p14">
+  <mc:AlternateContent xmlns:mc="http://schemas.openxmlformats.org/markup-compatibility/2006" xmlns:p14="http://schemas.microsoft.com/office/powerpoint/2010/main">
+    <mc:Choice Requires="p14">
       <p:transition spd="slow" p14:dur="1500">
         <p14:window dir="vert"/>
       </p:transition>
     </mc:Choice>
-    <mc:Fallback>
+    <mc:Fallback xmlns="">
       <p:transition spd="slow">
         <p:fade/>
       </p:transition>
@@ -8266,13 +8266,13 @@
   <p:clrMapOvr>
     <a:masterClrMapping/>
   </p:clrMapOvr>
-  <mc:AlternateContent xmlns:mc="http://schemas.openxmlformats.org/markup-compatibility/2006">
-    <mc:Choice xmlns:p14="http://schemas.microsoft.com/office/powerpoint/2010/main" Requires="p14">
+  <mc:AlternateContent xmlns:mc="http://schemas.openxmlformats.org/markup-compatibility/2006" xmlns:p14="http://schemas.microsoft.com/office/powerpoint/2010/main">
+    <mc:Choice Requires="p14">
       <p:transition spd="slow" p14:dur="1500">
         <p14:window dir="vert"/>
       </p:transition>
     </mc:Choice>
-    <mc:Fallback>
+    <mc:Fallback xmlns="">
       <p:transition spd="slow">
         <p:fade/>
       </p:transition>
@@ -8458,13 +8458,13 @@
   <p:clrMapOvr>
     <a:masterClrMapping/>
   </p:clrMapOvr>
-  <mc:AlternateContent xmlns:mc="http://schemas.openxmlformats.org/markup-compatibility/2006">
-    <mc:Choice xmlns:p14="http://schemas.microsoft.com/office/powerpoint/2010/main" Requires="p14">
+  <mc:AlternateContent xmlns:mc="http://schemas.openxmlformats.org/markup-compatibility/2006" xmlns:p14="http://schemas.microsoft.com/office/powerpoint/2010/main">
+    <mc:Choice Requires="p14">
       <p:transition spd="slow" p14:dur="1500">
         <p14:window dir="vert"/>
       </p:transition>
     </mc:Choice>
-    <mc:Fallback>
+    <mc:Fallback xmlns="">
       <p:transition spd="slow">
         <p:fade/>
       </p:transition>
@@ -8689,13 +8689,13 @@
   <p:clrMapOvr>
     <a:masterClrMapping/>
   </p:clrMapOvr>
-  <mc:AlternateContent xmlns:mc="http://schemas.openxmlformats.org/markup-compatibility/2006">
-    <mc:Choice xmlns:p14="http://schemas.microsoft.com/office/powerpoint/2010/main" Requires="p14">
+  <mc:AlternateContent xmlns:mc="http://schemas.openxmlformats.org/markup-compatibility/2006" xmlns:p14="http://schemas.microsoft.com/office/powerpoint/2010/main">
+    <mc:Choice Requires="p14">
       <p:transition spd="slow" p14:dur="1500">
         <p14:window dir="vert"/>
       </p:transition>
     </mc:Choice>
-    <mc:Fallback>
+    <mc:Fallback xmlns="">
       <p:transition spd="slow">
         <p:fade/>
       </p:transition>
@@ -8803,13 +8803,13 @@
   <p:clrMapOvr>
     <a:masterClrMapping/>
   </p:clrMapOvr>
-  <mc:AlternateContent xmlns:mc="http://schemas.openxmlformats.org/markup-compatibility/2006">
-    <mc:Choice xmlns:p14="http://schemas.microsoft.com/office/powerpoint/2010/main" Requires="p14">
+  <mc:AlternateContent xmlns:mc="http://schemas.openxmlformats.org/markup-compatibility/2006" xmlns:p14="http://schemas.microsoft.com/office/powerpoint/2010/main">
+    <mc:Choice Requires="p14">
       <p:transition spd="slow" p14:dur="1500">
         <p14:window dir="vert"/>
       </p:transition>
     </mc:Choice>
-    <mc:Fallback>
+    <mc:Fallback xmlns="">
       <p:transition spd="slow">
         <p:fade/>
       </p:transition>
@@ -8917,13 +8917,13 @@
   <p:clrMapOvr>
     <a:masterClrMapping/>
   </p:clrMapOvr>
-  <mc:AlternateContent xmlns:mc="http://schemas.openxmlformats.org/markup-compatibility/2006">
-    <mc:Choice xmlns:p14="http://schemas.microsoft.com/office/powerpoint/2010/main" Requires="p14">
+  <mc:AlternateContent xmlns:mc="http://schemas.openxmlformats.org/markup-compatibility/2006" xmlns:p14="http://schemas.microsoft.com/office/powerpoint/2010/main">
+    <mc:Choice Requires="p14">
       <p:transition spd="slow" p14:dur="1500">
         <p14:window dir="vert"/>
       </p:transition>
     </mc:Choice>
-    <mc:Fallback>
+    <mc:Fallback xmlns="">
       <p:transition spd="slow">
         <p:fade/>
       </p:transition>
@@ -9101,13 +9101,13 @@
   <p:clrMapOvr>
     <a:masterClrMapping/>
   </p:clrMapOvr>
-  <mc:AlternateContent xmlns:mc="http://schemas.openxmlformats.org/markup-compatibility/2006">
-    <mc:Choice xmlns:p14="http://schemas.microsoft.com/office/powerpoint/2010/main" Requires="p14">
+  <mc:AlternateContent xmlns:mc="http://schemas.openxmlformats.org/markup-compatibility/2006" xmlns:p14="http://schemas.microsoft.com/office/powerpoint/2010/main">
+    <mc:Choice Requires="p14">
       <p:transition spd="slow" p14:dur="1500">
         <p14:window dir="vert"/>
       </p:transition>
     </mc:Choice>
-    <mc:Fallback>
+    <mc:Fallback xmlns="">
       <p:transition spd="slow">
         <p:fade/>
       </p:transition>
@@ -12620,13 +12620,13 @@
   <p:clrMapOvr>
     <a:masterClrMapping/>
   </p:clrMapOvr>
-  <mc:AlternateContent xmlns:mc="http://schemas.openxmlformats.org/markup-compatibility/2006">
-    <mc:Choice xmlns:p14="http://schemas.microsoft.com/office/powerpoint/2010/main" Requires="p14">
+  <mc:AlternateContent xmlns:mc="http://schemas.openxmlformats.org/markup-compatibility/2006" xmlns:p14="http://schemas.microsoft.com/office/powerpoint/2010/main">
+    <mc:Choice Requires="p14">
       <p:transition spd="slow" p14:dur="1500">
         <p14:window dir="vert"/>
       </p:transition>
     </mc:Choice>
-    <mc:Fallback>
+    <mc:Fallback xmlns="">
       <p:transition spd="slow">
         <p:fade/>
       </p:transition>
@@ -13447,13 +13447,13 @@
   <p:clrMapOvr>
     <a:masterClrMapping/>
   </p:clrMapOvr>
-  <mc:AlternateContent xmlns:mc="http://schemas.openxmlformats.org/markup-compatibility/2006">
-    <mc:Choice xmlns:p14="http://schemas.microsoft.com/office/powerpoint/2010/main" Requires="p14">
+  <mc:AlternateContent xmlns:mc="http://schemas.openxmlformats.org/markup-compatibility/2006" xmlns:p14="http://schemas.microsoft.com/office/powerpoint/2010/main">
+    <mc:Choice Requires="p14">
       <p:transition spd="slow" p14:dur="1500">
         <p14:window dir="vert"/>
       </p:transition>
     </mc:Choice>
-    <mc:Fallback>
+    <mc:Fallback xmlns="">
       <p:transition spd="slow">
         <p:fade/>
       </p:transition>
@@ -14204,13 +14204,13 @@
   <p:clrMapOvr>
     <a:masterClrMapping/>
   </p:clrMapOvr>
-  <mc:AlternateContent xmlns:mc="http://schemas.openxmlformats.org/markup-compatibility/2006">
-    <mc:Choice xmlns:p14="http://schemas.microsoft.com/office/powerpoint/2010/main" Requires="p14">
+  <mc:AlternateContent xmlns:mc="http://schemas.openxmlformats.org/markup-compatibility/2006" xmlns:p14="http://schemas.microsoft.com/office/powerpoint/2010/main">
+    <mc:Choice Requires="p14">
       <p:transition spd="slow" p14:dur="1500">
         <p14:window dir="vert"/>
       </p:transition>
     </mc:Choice>
-    <mc:Fallback>
+    <mc:Fallback xmlns="">
       <p:transition spd="slow">
         <p:fade/>
       </p:transition>
@@ -15327,11 +15327,11 @@
   <p:clrMapOvr>
     <a:masterClrMapping/>
   </p:clrMapOvr>
-  <mc:AlternateContent xmlns:mc="http://schemas.openxmlformats.org/markup-compatibility/2006">
-    <mc:Choice xmlns:p14="http://schemas.microsoft.com/office/powerpoint/2010/main" Requires="p14">
+  <mc:AlternateContent xmlns:mc="http://schemas.openxmlformats.org/markup-compatibility/2006" xmlns:p14="http://schemas.microsoft.com/office/powerpoint/2010/main">
+    <mc:Choice Requires="p14">
       <p:transition p14:dur="0"/>
     </mc:Choice>
-    <mc:Fallback>
+    <mc:Fallback xmlns="">
       <p:transition/>
     </mc:Fallback>
   </mc:AlternateContent>
@@ -16005,13 +16005,13 @@
   <p:clrMapOvr>
     <a:masterClrMapping/>
   </p:clrMapOvr>
-  <mc:AlternateContent xmlns:mc="http://schemas.openxmlformats.org/markup-compatibility/2006">
-    <mc:Choice xmlns:p14="http://schemas.microsoft.com/office/powerpoint/2010/main" Requires="p14">
+  <mc:AlternateContent xmlns:mc="http://schemas.openxmlformats.org/markup-compatibility/2006" xmlns:p14="http://schemas.microsoft.com/office/powerpoint/2010/main">
+    <mc:Choice Requires="p14">
       <p:transition spd="slow" p14:dur="1500">
         <p14:window dir="vert"/>
       </p:transition>
     </mc:Choice>
-    <mc:Fallback>
+    <mc:Fallback xmlns="">
       <p:transition spd="slow">
         <p:fade/>
       </p:transition>
@@ -16638,13 +16638,13 @@
   <p:clrMapOvr>
     <a:masterClrMapping/>
   </p:clrMapOvr>
-  <mc:AlternateContent xmlns:mc="http://schemas.openxmlformats.org/markup-compatibility/2006">
-    <mc:Choice xmlns:p14="http://schemas.microsoft.com/office/powerpoint/2010/main" Requires="p14">
+  <mc:AlternateContent xmlns:mc="http://schemas.openxmlformats.org/markup-compatibility/2006" xmlns:p14="http://schemas.microsoft.com/office/powerpoint/2010/main">
+    <mc:Choice Requires="p14">
       <p:transition spd="slow" p14:dur="1500">
         <p14:window dir="vert"/>
       </p:transition>
     </mc:Choice>
-    <mc:Fallback>
+    <mc:Fallback xmlns="">
       <p:transition spd="slow">
         <p:fade/>
       </p:transition>
@@ -17680,13 +17680,13 @@
   <p:clrMapOvr>
     <a:masterClrMapping/>
   </p:clrMapOvr>
-  <mc:AlternateContent xmlns:mc="http://schemas.openxmlformats.org/markup-compatibility/2006">
-    <mc:Choice xmlns:p14="http://schemas.microsoft.com/office/powerpoint/2010/main" Requires="p14">
+  <mc:AlternateContent xmlns:mc="http://schemas.openxmlformats.org/markup-compatibility/2006" xmlns:p14="http://schemas.microsoft.com/office/powerpoint/2010/main">
+    <mc:Choice Requires="p14">
       <p:transition spd="slow" p14:dur="1500">
         <p14:window dir="vert"/>
       </p:transition>
     </mc:Choice>
-    <mc:Fallback>
+    <mc:Fallback xmlns="">
       <p:transition spd="slow">
         <p:fade/>
       </p:transition>
@@ -18787,13 +18787,13 @@
   <p:clrMapOvr>
     <a:masterClrMapping/>
   </p:clrMapOvr>
-  <mc:AlternateContent xmlns:mc="http://schemas.openxmlformats.org/markup-compatibility/2006">
-    <mc:Choice xmlns:p14="http://schemas.microsoft.com/office/powerpoint/2010/main" Requires="p14">
+  <mc:AlternateContent xmlns:mc="http://schemas.openxmlformats.org/markup-compatibility/2006" xmlns:p14="http://schemas.microsoft.com/office/powerpoint/2010/main">
+    <mc:Choice Requires="p14">
       <p:transition spd="slow" p14:dur="1500">
         <p14:window dir="vert"/>
       </p:transition>
     </mc:Choice>
-    <mc:Fallback>
+    <mc:Fallback xmlns="">
       <p:transition spd="slow">
         <p:fade/>
       </p:transition>
@@ -29647,13 +29647,13 @@
   <p:clrMapOvr>
     <a:masterClrMapping/>
   </p:clrMapOvr>
-  <mc:AlternateContent xmlns:mc="http://schemas.openxmlformats.org/markup-compatibility/2006">
-    <mc:Choice xmlns:p14="http://schemas.microsoft.com/office/powerpoint/2010/main" Requires="p14">
+  <mc:AlternateContent xmlns:mc="http://schemas.openxmlformats.org/markup-compatibility/2006" xmlns:p14="http://schemas.microsoft.com/office/powerpoint/2010/main">
+    <mc:Choice Requires="p14">
       <p:transition spd="slow" p14:dur="1500">
         <p14:window dir="vert"/>
       </p:transition>
     </mc:Choice>
-    <mc:Fallback>
+    <mc:Fallback xmlns="">
       <p:transition spd="slow">
         <p:fade/>
       </p:transition>
@@ -29830,13 +29830,13 @@
   <p:clrMapOvr>
     <a:masterClrMapping/>
   </p:clrMapOvr>
-  <mc:AlternateContent xmlns:mc="http://schemas.openxmlformats.org/markup-compatibility/2006">
-    <mc:Choice xmlns:p14="http://schemas.microsoft.com/office/powerpoint/2010/main" Requires="p14">
+  <mc:AlternateContent xmlns:mc="http://schemas.openxmlformats.org/markup-compatibility/2006" xmlns:p14="http://schemas.microsoft.com/office/powerpoint/2010/main">
+    <mc:Choice Requires="p14">
       <p:transition spd="slow" p14:dur="1500">
         <p14:window dir="vert"/>
       </p:transition>
     </mc:Choice>
-    <mc:Fallback>
+    <mc:Fallback xmlns="">
       <p:transition spd="slow">
         <p:fade/>
       </p:transition>
@@ -30064,8 +30064,8 @@
         </p:blipFill>
         <p:spPr>
           <a:xfrm>
-            <a:off x="1245840" y="736341"/>
-            <a:ext cx="1919123" cy="3411774"/>
+            <a:off x="1187625" y="568876"/>
+            <a:ext cx="2093166" cy="3479832"/>
           </a:xfrm>
           <a:prstGeom prst="rect">
             <a:avLst/>
@@ -30100,8 +30100,8 @@
         </p:blipFill>
         <p:spPr>
           <a:xfrm>
-            <a:off x="3311860" y="736340"/>
-            <a:ext cx="1919122" cy="3411773"/>
+            <a:off x="3443957" y="568877"/>
+            <a:ext cx="2022928" cy="3479831"/>
           </a:xfrm>
           <a:prstGeom prst="rect">
             <a:avLst/>
@@ -30174,8 +30174,8 @@
         </p:blipFill>
         <p:spPr>
           <a:xfrm>
-            <a:off x="5639639" y="736340"/>
-            <a:ext cx="1919122" cy="3411772"/>
+            <a:off x="5796136" y="568878"/>
+            <a:ext cx="2022928" cy="3479830"/>
           </a:xfrm>
           <a:prstGeom prst="rect">
             <a:avLst/>
@@ -30192,13 +30192,13 @@
   <p:clrMapOvr>
     <a:masterClrMapping/>
   </p:clrMapOvr>
-  <mc:AlternateContent xmlns:mc="http://schemas.openxmlformats.org/markup-compatibility/2006">
-    <mc:Choice xmlns:p14="http://schemas.microsoft.com/office/powerpoint/2010/main" Requires="p14">
+  <mc:AlternateContent xmlns:mc="http://schemas.openxmlformats.org/markup-compatibility/2006" xmlns:p14="http://schemas.microsoft.com/office/powerpoint/2010/main">
+    <mc:Choice Requires="p14">
       <p:transition spd="slow" p14:dur="1500">
         <p14:window dir="vert"/>
       </p:transition>
     </mc:Choice>
-    <mc:Fallback>
+    <mc:Fallback xmlns="">
       <p:transition spd="slow">
         <p:fade/>
       </p:transition>
@@ -30333,7 +30333,7 @@
         <p:spPr>
           <a:xfrm>
             <a:off x="5832141" y="600647"/>
-            <a:ext cx="2182246" cy="3520392"/>
+            <a:ext cx="2124236" cy="3520392"/>
           </a:xfrm>
           <a:prstGeom prst="rect">
             <a:avLst/>
@@ -30422,13 +30422,13 @@
   <p:clrMapOvr>
     <a:masterClrMapping/>
   </p:clrMapOvr>
-  <mc:AlternateContent xmlns:mc="http://schemas.openxmlformats.org/markup-compatibility/2006">
-    <mc:Choice xmlns:p14="http://schemas.microsoft.com/office/powerpoint/2010/main" Requires="p14">
+  <mc:AlternateContent xmlns:mc="http://schemas.openxmlformats.org/markup-compatibility/2006" xmlns:p14="http://schemas.microsoft.com/office/powerpoint/2010/main">
+    <mc:Choice Requires="p14">
       <p:transition spd="slow" p14:dur="1500">
         <p14:window dir="vert"/>
       </p:transition>
     </mc:Choice>
-    <mc:Fallback>
+    <mc:Fallback xmlns="">
       <p:transition spd="slow">
         <p:fade/>
       </p:transition>

--- a/中期答辩/宠物生活APP的设计与实现.pptx
+++ b/中期答辩/宠物生活APP的设计与实现.pptx
@@ -5,7 +5,7 @@
     <p:sldMasterId id="2147483648" r:id="rId1"/>
   </p:sldMasterIdLst>
   <p:notesMasterIdLst>
-    <p:notesMasterId r:id="rId22"/>
+    <p:notesMasterId r:id="rId23"/>
   </p:notesMasterIdLst>
   <p:sldIdLst>
     <p:sldId id="338" r:id="rId2"/>
@@ -19,20 +19,21 @@
     <p:sldId id="485" r:id="rId10"/>
     <p:sldId id="486" r:id="rId11"/>
     <p:sldId id="487" r:id="rId12"/>
-    <p:sldId id="488" r:id="rId13"/>
-    <p:sldId id="489" r:id="rId14"/>
-    <p:sldId id="490" r:id="rId15"/>
-    <p:sldId id="494" r:id="rId16"/>
-    <p:sldId id="428" r:id="rId17"/>
-    <p:sldId id="491" r:id="rId18"/>
-    <p:sldId id="429" r:id="rId19"/>
-    <p:sldId id="493" r:id="rId20"/>
-    <p:sldId id="470" r:id="rId21"/>
+    <p:sldId id="495" r:id="rId13"/>
+    <p:sldId id="488" r:id="rId14"/>
+    <p:sldId id="489" r:id="rId15"/>
+    <p:sldId id="490" r:id="rId16"/>
+    <p:sldId id="494" r:id="rId17"/>
+    <p:sldId id="428" r:id="rId18"/>
+    <p:sldId id="491" r:id="rId19"/>
+    <p:sldId id="429" r:id="rId20"/>
+    <p:sldId id="493" r:id="rId21"/>
+    <p:sldId id="470" r:id="rId22"/>
   </p:sldIdLst>
   <p:sldSz cx="9144000" cy="5145088"/>
   <p:notesSz cx="6858000" cy="9144000"/>
   <p:custDataLst>
-    <p:tags r:id="rId23"/>
+    <p:tags r:id="rId24"/>
   </p:custDataLst>
   <p:defaultTextStyle>
     <a:defPPr>
@@ -230,7 +231,7 @@
           <a:p>
             <a:fld id="{887FFCF0-DD59-4612-9D71-417719DC0377}" type="datetimeFigureOut">
               <a:rPr lang="zh-CN" altLang="en-US" smtClean="0"/>
-              <a:t>2020/3/13</a:t>
+              <a:t>2020/3/21</a:t>
             </a:fld>
             <a:endParaRPr lang="zh-CN" altLang="en-US"/>
           </a:p>
@@ -790,7 +791,7 @@
           <a:bodyPr/>
           <a:lstStyle/>
           <a:p>
-            <a:endParaRPr lang="zh-CN" altLang="en-US"/>
+            <a:endParaRPr lang="zh-CN" altLang="en-US" dirty="0"/>
           </a:p>
         </p:txBody>
       </p:sp>
@@ -820,7 +821,7 @@
     </p:spTree>
     <p:extLst>
       <p:ext uri="{BB962C8B-B14F-4D97-AF65-F5344CB8AC3E}">
-        <p14:creationId xmlns:p14="http://schemas.microsoft.com/office/powerpoint/2010/main" val="3971097666"/>
+        <p14:creationId xmlns:p14="http://schemas.microsoft.com/office/powerpoint/2010/main" val="3824124062"/>
       </p:ext>
     </p:extLst>
   </p:cSld>
@@ -904,7 +905,7 @@
     </p:spTree>
     <p:extLst>
       <p:ext uri="{BB962C8B-B14F-4D97-AF65-F5344CB8AC3E}">
-        <p14:creationId xmlns:p14="http://schemas.microsoft.com/office/powerpoint/2010/main" val="2422985050"/>
+        <p14:creationId xmlns:p14="http://schemas.microsoft.com/office/powerpoint/2010/main" val="3971097666"/>
       </p:ext>
     </p:extLst>
   </p:cSld>
@@ -988,7 +989,7 @@
     </p:spTree>
     <p:extLst>
       <p:ext uri="{BB962C8B-B14F-4D97-AF65-F5344CB8AC3E}">
-        <p14:creationId xmlns:p14="http://schemas.microsoft.com/office/powerpoint/2010/main" val="1438286211"/>
+        <p14:creationId xmlns:p14="http://schemas.microsoft.com/office/powerpoint/2010/main" val="2422985050"/>
       </p:ext>
     </p:extLst>
   </p:cSld>
@@ -1072,7 +1073,7 @@
     </p:spTree>
     <p:extLst>
       <p:ext uri="{BB962C8B-B14F-4D97-AF65-F5344CB8AC3E}">
-        <p14:creationId xmlns:p14="http://schemas.microsoft.com/office/powerpoint/2010/main" val="3183124963"/>
+        <p14:creationId xmlns:p14="http://schemas.microsoft.com/office/powerpoint/2010/main" val="1438286211"/>
       </p:ext>
     </p:extLst>
   </p:cSld>
@@ -1156,7 +1157,7 @@
     </p:spTree>
     <p:extLst>
       <p:ext uri="{BB962C8B-B14F-4D97-AF65-F5344CB8AC3E}">
-        <p14:creationId xmlns:p14="http://schemas.microsoft.com/office/powerpoint/2010/main" val="164086287"/>
+        <p14:creationId xmlns:p14="http://schemas.microsoft.com/office/powerpoint/2010/main" val="3183124963"/>
       </p:ext>
     </p:extLst>
   </p:cSld>
@@ -1240,7 +1241,7 @@
     </p:spTree>
     <p:extLst>
       <p:ext uri="{BB962C8B-B14F-4D97-AF65-F5344CB8AC3E}">
-        <p14:creationId xmlns:p14="http://schemas.microsoft.com/office/powerpoint/2010/main" val="2306959318"/>
+        <p14:creationId xmlns:p14="http://schemas.microsoft.com/office/powerpoint/2010/main" val="164086287"/>
       </p:ext>
     </p:extLst>
   </p:cSld>
@@ -1324,7 +1325,7 @@
     </p:spTree>
     <p:extLst>
       <p:ext uri="{BB962C8B-B14F-4D97-AF65-F5344CB8AC3E}">
-        <p14:creationId xmlns:p14="http://schemas.microsoft.com/office/powerpoint/2010/main" val="512204320"/>
+        <p14:creationId xmlns:p14="http://schemas.microsoft.com/office/powerpoint/2010/main" val="2306959318"/>
       </p:ext>
     </p:extLst>
   </p:cSld>
@@ -1408,7 +1409,7 @@
     </p:spTree>
     <p:extLst>
       <p:ext uri="{BB962C8B-B14F-4D97-AF65-F5344CB8AC3E}">
-        <p14:creationId xmlns:p14="http://schemas.microsoft.com/office/powerpoint/2010/main" val="2578078051"/>
+        <p14:creationId xmlns:p14="http://schemas.microsoft.com/office/powerpoint/2010/main" val="512204320"/>
       </p:ext>
     </p:extLst>
   </p:cSld>
@@ -1568,6 +1569,90 @@
             <a:fld id="{60DAA1E2-0BCB-498F-B666-E5E40D25323B}" type="slidenum">
               <a:rPr lang="zh-CN" altLang="en-US" smtClean="0"/>
               <a:t>20</a:t>
+            </a:fld>
+            <a:endParaRPr lang="zh-CN" altLang="en-US"/>
+          </a:p>
+        </p:txBody>
+      </p:sp>
+    </p:spTree>
+    <p:extLst>
+      <p:ext uri="{BB962C8B-B14F-4D97-AF65-F5344CB8AC3E}">
+        <p14:creationId xmlns:p14="http://schemas.microsoft.com/office/powerpoint/2010/main" val="2578078051"/>
+      </p:ext>
+    </p:extLst>
+  </p:cSld>
+  <p:clrMapOvr>
+    <a:masterClrMapping/>
+  </p:clrMapOvr>
+</p:notes>
+</file>
+
+<file path=ppt/notesSlides/notesSlide21.xml><?xml version="1.0" encoding="utf-8"?>
+<p:notes xmlns:a="http://schemas.openxmlformats.org/drawingml/2006/main" xmlns:r="http://schemas.openxmlformats.org/officeDocument/2006/relationships" xmlns:p="http://schemas.openxmlformats.org/presentationml/2006/main">
+  <p:cSld>
+    <p:spTree>
+      <p:nvGrpSpPr>
+        <p:cNvPr id="1" name=""/>
+        <p:cNvGrpSpPr/>
+        <p:nvPr/>
+      </p:nvGrpSpPr>
+      <p:grpSpPr>
+        <a:xfrm>
+          <a:off x="0" y="0"/>
+          <a:ext cx="0" cy="0"/>
+          <a:chOff x="0" y="0"/>
+          <a:chExt cx="0" cy="0"/>
+        </a:xfrm>
+      </p:grpSpPr>
+      <p:sp>
+        <p:nvSpPr>
+          <p:cNvPr id="2" name="幻灯片图像占位符 1"/>
+          <p:cNvSpPr>
+            <a:spLocks noGrp="1" noRot="1" noChangeAspect="1"/>
+          </p:cNvSpPr>
+          <p:nvPr>
+            <p:ph type="sldImg"/>
+          </p:nvPr>
+        </p:nvSpPr>
+        <p:spPr/>
+      </p:sp>
+      <p:sp>
+        <p:nvSpPr>
+          <p:cNvPr id="3" name="备注占位符 2"/>
+          <p:cNvSpPr>
+            <a:spLocks noGrp="1"/>
+          </p:cNvSpPr>
+          <p:nvPr>
+            <p:ph type="body" idx="1"/>
+          </p:nvPr>
+        </p:nvSpPr>
+        <p:spPr/>
+        <p:txBody>
+          <a:bodyPr/>
+          <a:lstStyle/>
+          <a:p>
+            <a:endParaRPr lang="zh-CN" altLang="en-US"/>
+          </a:p>
+        </p:txBody>
+      </p:sp>
+      <p:sp>
+        <p:nvSpPr>
+          <p:cNvPr id="4" name="灯片编号占位符 3"/>
+          <p:cNvSpPr>
+            <a:spLocks noGrp="1"/>
+          </p:cNvSpPr>
+          <p:nvPr>
+            <p:ph type="sldNum" sz="quarter" idx="10"/>
+          </p:nvPr>
+        </p:nvSpPr>
+        <p:spPr/>
+        <p:txBody>
+          <a:bodyPr/>
+          <a:lstStyle/>
+          <a:p>
+            <a:fld id="{60DAA1E2-0BCB-498F-B666-E5E40D25323B}" type="slidenum">
+              <a:rPr lang="zh-CN" altLang="en-US" smtClean="0"/>
+              <a:t>21</a:t>
             </a:fld>
             <a:endParaRPr lang="zh-CN" altLang="en-US"/>
           </a:p>
@@ -2353,7 +2438,7 @@
           <a:p>
             <a:fld id="{2CFBF030-126A-44E1-A291-CE0450786A5D}" type="datetimeFigureOut">
               <a:rPr lang="zh-CN" altLang="en-US" smtClean="0"/>
-              <a:t>2020/3/13</a:t>
+              <a:t>2020/3/21</a:t>
             </a:fld>
             <a:endParaRPr lang="zh-CN" altLang="en-US"/>
           </a:p>
@@ -2456,7 +2541,7 @@
             <a:fld id="{4D6979D7-302D-492A-8039-2E5833E2F0C3}" type="datetimeFigureOut">
               <a:rPr lang="zh-CN" altLang="en-US" smtClean="0"/>
               <a:pPr/>
-              <a:t>2020/3/13</a:t>
+              <a:t>2020/3/21</a:t>
             </a:fld>
             <a:endParaRPr lang="zh-CN" altLang="en-US"/>
           </a:p>
@@ -2653,7 +2738,7 @@
             <a:fld id="{4D6979D7-302D-492A-8039-2E5833E2F0C3}" type="datetimeFigureOut">
               <a:rPr lang="zh-CN" altLang="en-US" smtClean="0"/>
               <a:pPr/>
-              <a:t>2020/3/13</a:t>
+              <a:t>2020/3/21</a:t>
             </a:fld>
             <a:endParaRPr lang="zh-CN" altLang="en-US"/>
           </a:p>
@@ -2850,7 +2935,7 @@
             <a:fld id="{507A946E-B064-4211-A11D-E702AF025A18}" type="datetimeFigureOut">
               <a:rPr lang="zh-CN" altLang="en-US" smtClean="0"/>
               <a:pPr/>
-              <a:t>2020/3/13</a:t>
+              <a:t>2020/3/21</a:t>
             </a:fld>
             <a:endParaRPr lang="zh-CN" altLang="en-US"/>
           </a:p>
@@ -3047,7 +3132,7 @@
             <a:fld id="{507A946E-B064-4211-A11D-E702AF025A18}" type="datetimeFigureOut">
               <a:rPr lang="zh-CN" altLang="en-US" smtClean="0"/>
               <a:pPr/>
-              <a:t>2020/3/13</a:t>
+              <a:t>2020/3/21</a:t>
             </a:fld>
             <a:endParaRPr lang="zh-CN" altLang="en-US"/>
           </a:p>
@@ -3237,7 +3322,7 @@
             <a:fld id="{507A946E-B064-4211-A11D-E702AF025A18}" type="datetimeFigureOut">
               <a:rPr lang="zh-CN" altLang="en-US" smtClean="0"/>
               <a:pPr/>
-              <a:t>2020/3/13</a:t>
+              <a:t>2020/3/21</a:t>
             </a:fld>
             <a:endParaRPr lang="zh-CN" altLang="en-US"/>
           </a:p>
@@ -3427,7 +3512,7 @@
             <a:fld id="{507A946E-B064-4211-A11D-E702AF025A18}" type="datetimeFigureOut">
               <a:rPr lang="zh-CN" altLang="en-US" smtClean="0"/>
               <a:pPr/>
-              <a:t>2020/3/13</a:t>
+              <a:t>2020/3/21</a:t>
             </a:fld>
             <a:endParaRPr lang="zh-CN" altLang="en-US"/>
           </a:p>
@@ -3795,7 +3880,7 @@
           <a:p>
             <a:fld id="{2CFBF030-126A-44E1-A291-CE0450786A5D}" type="datetimeFigureOut">
               <a:rPr lang="zh-CN" altLang="en-US" smtClean="0"/>
-              <a:t>2020/3/13</a:t>
+              <a:t>2020/3/21</a:t>
             </a:fld>
             <a:endParaRPr lang="zh-CN" altLang="en-US"/>
           </a:p>
@@ -4054,7 +4139,7 @@
           <a:p>
             <a:fld id="{2CFBF030-126A-44E1-A291-CE0450786A5D}" type="datetimeFigureOut">
               <a:rPr lang="zh-CN" altLang="en-US" smtClean="0"/>
-              <a:t>2020/3/13</a:t>
+              <a:t>2020/3/21</a:t>
             </a:fld>
             <a:endParaRPr lang="zh-CN" altLang="en-US"/>
           </a:p>
@@ -4229,7 +4314,7 @@
           <a:p>
             <a:fld id="{2CFBF030-126A-44E1-A291-CE0450786A5D}" type="datetimeFigureOut">
               <a:rPr lang="zh-CN" altLang="en-US" smtClean="0"/>
-              <a:t>2020/3/13</a:t>
+              <a:t>2020/3/21</a:t>
             </a:fld>
             <a:endParaRPr lang="zh-CN" altLang="en-US"/>
           </a:p>
@@ -4414,7 +4499,7 @@
           <a:p>
             <a:fld id="{2CFBF030-126A-44E1-A291-CE0450786A5D}" type="datetimeFigureOut">
               <a:rPr lang="zh-CN" altLang="en-US" smtClean="0"/>
-              <a:t>2020/3/13</a:t>
+              <a:t>2020/3/21</a:t>
             </a:fld>
             <a:endParaRPr lang="zh-CN" altLang="en-US"/>
           </a:p>
@@ -4589,7 +4674,7 @@
           <a:p>
             <a:fld id="{2CFBF030-126A-44E1-A291-CE0450786A5D}" type="datetimeFigureOut">
               <a:rPr lang="zh-CN" altLang="en-US" smtClean="0"/>
-              <a:t>2020/3/13</a:t>
+              <a:t>2020/3/21</a:t>
             </a:fld>
             <a:endParaRPr lang="zh-CN" altLang="en-US"/>
           </a:p>
@@ -5230,7 +5315,7 @@
           <a:p>
             <a:fld id="{2CFBF030-126A-44E1-A291-CE0450786A5D}" type="datetimeFigureOut">
               <a:rPr lang="zh-CN" altLang="en-US" smtClean="0"/>
-              <a:t>2020/3/13</a:t>
+              <a:t>2020/3/21</a:t>
             </a:fld>
             <a:endParaRPr lang="zh-CN" altLang="en-US"/>
           </a:p>
@@ -5522,7 +5607,7 @@
           <a:p>
             <a:fld id="{2CFBF030-126A-44E1-A291-CE0450786A5D}" type="datetimeFigureOut">
               <a:rPr lang="zh-CN" altLang="en-US" smtClean="0"/>
-              <a:t>2020/3/13</a:t>
+              <a:t>2020/3/21</a:t>
             </a:fld>
             <a:endParaRPr lang="zh-CN" altLang="en-US"/>
           </a:p>
@@ -5948,7 +6033,7 @@
           <a:p>
             <a:fld id="{2CFBF030-126A-44E1-A291-CE0450786A5D}" type="datetimeFigureOut">
               <a:rPr lang="zh-CN" altLang="en-US" smtClean="0"/>
-              <a:t>2020/3/13</a:t>
+              <a:t>2020/3/21</a:t>
             </a:fld>
             <a:endParaRPr lang="zh-CN" altLang="en-US"/>
           </a:p>
@@ -6072,7 +6157,7 @@
           <a:p>
             <a:fld id="{2CFBF030-126A-44E1-A291-CE0450786A5D}" type="datetimeFigureOut">
               <a:rPr lang="zh-CN" altLang="en-US" smtClean="0"/>
-              <a:t>2020/3/13</a:t>
+              <a:t>2020/3/21</a:t>
             </a:fld>
             <a:endParaRPr lang="zh-CN" altLang="en-US"/>
           </a:p>
@@ -6174,7 +6259,7 @@
           <a:p>
             <a:fld id="{2CFBF030-126A-44E1-A291-CE0450786A5D}" type="datetimeFigureOut">
               <a:rPr lang="zh-CN" altLang="en-US" smtClean="0"/>
-              <a:t>2020/3/13</a:t>
+              <a:t>2020/3/21</a:t>
             </a:fld>
             <a:endParaRPr lang="zh-CN" altLang="en-US"/>
           </a:p>
@@ -6277,7 +6362,7 @@
             <a:fld id="{4D6979D7-302D-492A-8039-2E5833E2F0C3}" type="datetimeFigureOut">
               <a:rPr lang="zh-CN" altLang="en-US" smtClean="0"/>
               <a:pPr/>
-              <a:t>2020/3/13</a:t>
+              <a:t>2020/3/21</a:t>
             </a:fld>
             <a:endParaRPr lang="zh-CN" altLang="en-US"/>
           </a:p>
@@ -6474,7 +6559,7 @@
             <a:fld id="{4D6979D7-302D-492A-8039-2E5833E2F0C3}" type="datetimeFigureOut">
               <a:rPr lang="zh-CN" altLang="en-US" smtClean="0"/>
               <a:pPr/>
-              <a:t>2020/3/13</a:t>
+              <a:t>2020/3/21</a:t>
             </a:fld>
             <a:endParaRPr lang="zh-CN" altLang="en-US"/>
           </a:p>
@@ -6786,7 +6871,7 @@
           <a:p>
             <a:fld id="{2CFBF030-126A-44E1-A291-CE0450786A5D}" type="datetimeFigureOut">
               <a:rPr lang="zh-CN" altLang="en-US" smtClean="0"/>
-              <a:t>2020/3/13</a:t>
+              <a:t>2020/3/21</a:t>
             </a:fld>
             <a:endParaRPr lang="zh-CN" altLang="en-US"/>
           </a:p>
@@ -7855,7 +7940,7 @@
         <p:spPr>
           <a:xfrm>
             <a:off x="71500" y="160276"/>
-            <a:ext cx="1858201" cy="369332"/>
+            <a:ext cx="1396536" cy="369332"/>
           </a:xfrm>
           <a:prstGeom prst="rect">
             <a:avLst/>
@@ -7877,7 +7962,7 @@
                 <a:latin typeface="微软雅黑" panose="020B0503020204020204" pitchFamily="34" charset="-122"/>
                 <a:ea typeface="微软雅黑" panose="020B0503020204020204" pitchFamily="34" charset="-122"/>
               </a:rPr>
-              <a:t>发表模块界面</a:t>
+              <a:t>发表模块</a:t>
             </a:r>
           </a:p>
         </p:txBody>
@@ -8085,7 +8170,7 @@
         <p:spPr>
           <a:xfrm>
             <a:off x="71500" y="160276"/>
-            <a:ext cx="1858201" cy="369332"/>
+            <a:ext cx="1396536" cy="369332"/>
           </a:xfrm>
           <a:prstGeom prst="rect">
             <a:avLst/>
@@ -8107,7 +8192,7 @@
                 <a:latin typeface="微软雅黑" panose="020B0503020204020204" pitchFamily="34" charset="-122"/>
                 <a:ea typeface="微软雅黑" panose="020B0503020204020204" pitchFamily="34" charset="-122"/>
               </a:rPr>
-              <a:t>消息模块界面</a:t>
+              <a:t>消息模块</a:t>
             </a:r>
           </a:p>
         </p:txBody>
@@ -8313,7 +8398,7 @@
         <p:spPr>
           <a:xfrm>
             <a:off x="71500" y="160276"/>
-            <a:ext cx="1858201" cy="369332"/>
+            <a:ext cx="1396536" cy="369332"/>
           </a:xfrm>
           <a:prstGeom prst="rect">
             <a:avLst/>
@@ -8335,17 +8420,17 @@
                 <a:latin typeface="微软雅黑" panose="020B0503020204020204" pitchFamily="34" charset="-122"/>
                 <a:ea typeface="微软雅黑" panose="020B0503020204020204" pitchFamily="34" charset="-122"/>
               </a:rPr>
-              <a:t>个人模块界面</a:t>
+              <a:t>个人模块</a:t>
             </a:r>
           </a:p>
         </p:txBody>
       </p:sp>
       <p:pic>
         <p:nvPicPr>
-          <p:cNvPr id="3" name="图片 2">
+          <p:cNvPr id="4" name="图片 3">
             <a:extLst>
               <a:ext uri="{FF2B5EF4-FFF2-40B4-BE49-F238E27FC236}">
-                <a16:creationId xmlns:a16="http://schemas.microsoft.com/office/drawing/2014/main" id="{EF36EF06-020B-438B-9652-8F1F38902655}"/>
+                <a16:creationId xmlns:a16="http://schemas.microsoft.com/office/drawing/2014/main" id="{B99CE421-F072-461A-ACD1-0948032A83C3}"/>
               </a:ext>
             </a:extLst>
           </p:cNvPr>
@@ -8368,8 +8453,8 @@
         </p:blipFill>
         <p:spPr>
           <a:xfrm>
-            <a:off x="933007" y="742175"/>
-            <a:ext cx="1980220" cy="3411774"/>
+            <a:off x="143508" y="771159"/>
+            <a:ext cx="1981806" cy="3602769"/>
           </a:xfrm>
           <a:prstGeom prst="rect">
             <a:avLst/>
@@ -8378,10 +8463,10 @@
       </p:pic>
       <p:pic>
         <p:nvPicPr>
-          <p:cNvPr id="5" name="图片 4">
+          <p:cNvPr id="3" name="图片 2">
             <a:extLst>
               <a:ext uri="{FF2B5EF4-FFF2-40B4-BE49-F238E27FC236}">
-                <a16:creationId xmlns:a16="http://schemas.microsoft.com/office/drawing/2014/main" id="{751AB5E2-443B-47FA-B250-96CD725BBCDC}"/>
+                <a16:creationId xmlns:a16="http://schemas.microsoft.com/office/drawing/2014/main" id="{913C6289-73A0-4AC2-92E9-1D33DBCE0955}"/>
               </a:ext>
             </a:extLst>
           </p:cNvPr>
@@ -8404,8 +8489,8 @@
         </p:blipFill>
         <p:spPr>
           <a:xfrm>
-            <a:off x="5868144" y="742174"/>
-            <a:ext cx="2083903" cy="3411775"/>
+            <a:off x="2402686" y="771159"/>
+            <a:ext cx="2019628" cy="3590451"/>
           </a:xfrm>
           <a:prstGeom prst="rect">
             <a:avLst/>
@@ -8414,10 +8499,10 @@
       </p:pic>
       <p:pic>
         <p:nvPicPr>
-          <p:cNvPr id="7" name="图片 6">
+          <p:cNvPr id="8" name="图片 7">
             <a:extLst>
               <a:ext uri="{FF2B5EF4-FFF2-40B4-BE49-F238E27FC236}">
-                <a16:creationId xmlns:a16="http://schemas.microsoft.com/office/drawing/2014/main" id="{48E938F5-F796-4399-B41B-1D905009F12B}"/>
+                <a16:creationId xmlns:a16="http://schemas.microsoft.com/office/drawing/2014/main" id="{D8430B61-A9E9-4BCD-8EF8-EB608BC77539}"/>
               </a:ext>
             </a:extLst>
           </p:cNvPr>
@@ -8440,8 +8525,44 @@
         </p:blipFill>
         <p:spPr>
           <a:xfrm>
-            <a:off x="3235775" y="740523"/>
-            <a:ext cx="2083903" cy="3413426"/>
+            <a:off x="4692292" y="771576"/>
+            <a:ext cx="2075952" cy="3590034"/>
+          </a:xfrm>
+          <a:prstGeom prst="rect">
+            <a:avLst/>
+          </a:prstGeom>
+        </p:spPr>
+      </p:pic>
+      <p:pic>
+        <p:nvPicPr>
+          <p:cNvPr id="10" name="图片 9">
+            <a:extLst>
+              <a:ext uri="{FF2B5EF4-FFF2-40B4-BE49-F238E27FC236}">
+                <a16:creationId xmlns:a16="http://schemas.microsoft.com/office/drawing/2014/main" id="{C4AA0573-6041-437E-9BBD-F84724729919}"/>
+              </a:ext>
+            </a:extLst>
+          </p:cNvPr>
+          <p:cNvPicPr>
+            <a:picLocks noChangeAspect="1"/>
+          </p:cNvPicPr>
+          <p:nvPr/>
+        </p:nvPicPr>
+        <p:blipFill>
+          <a:blip r:embed="rId6" cstate="print">
+            <a:extLst>
+              <a:ext uri="{28A0092B-C50C-407E-A947-70E740481C1C}">
+                <a14:useLocalDpi xmlns:a14="http://schemas.microsoft.com/office/drawing/2010/main" val="0"/>
+              </a:ext>
+            </a:extLst>
+          </a:blip>
+          <a:stretch>
+            <a:fillRect/>
+          </a:stretch>
+        </p:blipFill>
+        <p:spPr>
+          <a:xfrm>
+            <a:off x="6968364" y="771159"/>
+            <a:ext cx="2015552" cy="3583203"/>
           </a:xfrm>
           <a:prstGeom prst="rect">
             <a:avLst/>
@@ -8451,7 +8572,7 @@
     </p:spTree>
     <p:extLst>
       <p:ext uri="{BB962C8B-B14F-4D97-AF65-F5344CB8AC3E}">
-        <p14:creationId xmlns:p14="http://schemas.microsoft.com/office/powerpoint/2010/main" val="3687650516"/>
+        <p14:creationId xmlns:p14="http://schemas.microsoft.com/office/powerpoint/2010/main" val="1907094967"/>
       </p:ext>
     </p:extLst>
   </p:cSld>
@@ -8505,7 +8626,7 @@
         <p:spPr>
           <a:xfrm>
             <a:off x="71500" y="160276"/>
-            <a:ext cx="1858201" cy="369332"/>
+            <a:ext cx="1396536" cy="369332"/>
           </a:xfrm>
           <a:prstGeom prst="rect">
             <a:avLst/>
@@ -8527,17 +8648,131 @@
                 <a:latin typeface="微软雅黑" panose="020B0503020204020204" pitchFamily="34" charset="-122"/>
                 <a:ea typeface="微软雅黑" panose="020B0503020204020204" pitchFamily="34" charset="-122"/>
               </a:rPr>
-              <a:t>个人模块界面</a:t>
+              <a:t>个人模块</a:t>
             </a:r>
           </a:p>
         </p:txBody>
       </p:sp>
-      <p:sp>
-        <p:nvSpPr>
-          <p:cNvPr id="34" name="文本框 33">
+      <p:pic>
+        <p:nvPicPr>
+          <p:cNvPr id="7" name="图片 6">
             <a:extLst>
               <a:ext uri="{FF2B5EF4-FFF2-40B4-BE49-F238E27FC236}">
-                <a16:creationId xmlns:a16="http://schemas.microsoft.com/office/drawing/2014/main" id="{0A75864B-D9D4-4BCC-AB6D-DBE6901BD28B}"/>
+                <a16:creationId xmlns:a16="http://schemas.microsoft.com/office/drawing/2014/main" id="{48E938F5-F796-4399-B41B-1D905009F12B}"/>
+              </a:ext>
+            </a:extLst>
+          </p:cNvPr>
+          <p:cNvPicPr>
+            <a:picLocks noChangeAspect="1"/>
+          </p:cNvPicPr>
+          <p:nvPr/>
+        </p:nvPicPr>
+        <p:blipFill>
+          <a:blip r:embed="rId3" cstate="print">
+            <a:extLst>
+              <a:ext uri="{28A0092B-C50C-407E-A947-70E740481C1C}">
+                <a14:useLocalDpi xmlns:a14="http://schemas.microsoft.com/office/drawing/2010/main" val="0"/>
+              </a:ext>
+            </a:extLst>
+          </a:blip>
+          <a:stretch>
+            <a:fillRect/>
+          </a:stretch>
+        </p:blipFill>
+        <p:spPr>
+          <a:xfrm>
+            <a:off x="1727684" y="761739"/>
+            <a:ext cx="2340260" cy="3833338"/>
+          </a:xfrm>
+          <a:prstGeom prst="rect">
+            <a:avLst/>
+          </a:prstGeom>
+        </p:spPr>
+      </p:pic>
+      <p:pic>
+        <p:nvPicPr>
+          <p:cNvPr id="8" name="图片 7">
+            <a:extLst>
+              <a:ext uri="{FF2B5EF4-FFF2-40B4-BE49-F238E27FC236}">
+                <a16:creationId xmlns:a16="http://schemas.microsoft.com/office/drawing/2014/main" id="{1DB87EFD-DDF5-40D0-B4E6-682E989D2DEF}"/>
+              </a:ext>
+            </a:extLst>
+          </p:cNvPr>
+          <p:cNvPicPr>
+            <a:picLocks noChangeAspect="1"/>
+          </p:cNvPicPr>
+          <p:nvPr/>
+        </p:nvPicPr>
+        <p:blipFill>
+          <a:blip r:embed="rId4" cstate="print">
+            <a:extLst>
+              <a:ext uri="{28A0092B-C50C-407E-A947-70E740481C1C}">
+                <a14:useLocalDpi xmlns:a14="http://schemas.microsoft.com/office/drawing/2010/main" val="0"/>
+              </a:ext>
+            </a:extLst>
+          </a:blip>
+          <a:stretch>
+            <a:fillRect/>
+          </a:stretch>
+        </p:blipFill>
+        <p:spPr>
+          <a:xfrm>
+            <a:off x="4582119" y="761739"/>
+            <a:ext cx="2340260" cy="3833338"/>
+          </a:xfrm>
+          <a:prstGeom prst="rect">
+            <a:avLst/>
+          </a:prstGeom>
+        </p:spPr>
+      </p:pic>
+    </p:spTree>
+    <p:extLst>
+      <p:ext uri="{BB962C8B-B14F-4D97-AF65-F5344CB8AC3E}">
+        <p14:creationId xmlns:p14="http://schemas.microsoft.com/office/powerpoint/2010/main" val="3687650516"/>
+      </p:ext>
+    </p:extLst>
+  </p:cSld>
+  <p:clrMapOvr>
+    <a:masterClrMapping/>
+  </p:clrMapOvr>
+  <mc:AlternateContent xmlns:mc="http://schemas.openxmlformats.org/markup-compatibility/2006" xmlns:p14="http://schemas.microsoft.com/office/powerpoint/2010/main">
+    <mc:Choice Requires="p14">
+      <p:transition spd="slow" p14:dur="1500">
+        <p14:window dir="vert"/>
+      </p:transition>
+    </mc:Choice>
+    <mc:Fallback xmlns="">
+      <p:transition spd="slow">
+        <p:fade/>
+      </p:transition>
+    </mc:Fallback>
+  </mc:AlternateContent>
+</p:sld>
+</file>
+
+<file path=ppt/slides/slide14.xml><?xml version="1.0" encoding="utf-8"?>
+<p:sld xmlns:a="http://schemas.openxmlformats.org/drawingml/2006/main" xmlns:r="http://schemas.openxmlformats.org/officeDocument/2006/relationships" xmlns:p="http://schemas.openxmlformats.org/presentationml/2006/main">
+  <p:cSld>
+    <p:spTree>
+      <p:nvGrpSpPr>
+        <p:cNvPr id="1" name=""/>
+        <p:cNvGrpSpPr/>
+        <p:nvPr/>
+      </p:nvGrpSpPr>
+      <p:grpSpPr>
+        <a:xfrm>
+          <a:off x="0" y="0"/>
+          <a:ext cx="0" cy="0"/>
+          <a:chOff x="0" y="0"/>
+          <a:chExt cx="0" cy="0"/>
+        </a:xfrm>
+      </p:grpSpPr>
+      <p:sp>
+        <p:nvSpPr>
+          <p:cNvPr id="54" name="文本框 53">
+            <a:extLst>
+              <a:ext uri="{FF2B5EF4-FFF2-40B4-BE49-F238E27FC236}">
+                <a16:creationId xmlns:a16="http://schemas.microsoft.com/office/drawing/2014/main" id="{2652CB15-C75B-4690-952B-E3708ED0F079}"/>
               </a:ext>
             </a:extLst>
           </p:cNvPr>
@@ -8546,8 +8781,8 @@
         </p:nvSpPr>
         <p:spPr>
           <a:xfrm>
-            <a:off x="2915816" y="4402069"/>
-            <a:ext cx="2723823" cy="369332"/>
+            <a:off x="71500" y="160276"/>
+            <a:ext cx="1396536" cy="369332"/>
           </a:xfrm>
           <a:prstGeom prst="rect">
             <a:avLst/>
@@ -8560,13 +8795,16 @@
           </a:bodyPr>
           <a:lstStyle/>
           <a:p>
-            <a:pPr algn="ctr"/>
+            <a:pPr marL="285750" indent="-285750">
+              <a:buFont typeface="Wingdings" panose="05000000000000000000" pitchFamily="2" charset="2"/>
+              <a:buChar char="Ø"/>
+            </a:pPr>
             <a:r>
               <a:rPr lang="zh-CN" altLang="en-US" dirty="0">
                 <a:latin typeface="微软雅黑" panose="020B0503020204020204" pitchFamily="34" charset="-122"/>
                 <a:ea typeface="微软雅黑" panose="020B0503020204020204" pitchFamily="34" charset="-122"/>
               </a:rPr>
-              <a:t>该模块尚未完成接口对接</a:t>
+              <a:t>个人模块</a:t>
             </a:r>
           </a:p>
         </p:txBody>
@@ -8704,7 +8942,7 @@
 </p:sld>
 </file>
 
-<file path=ppt/slides/slide14.xml><?xml version="1.0" encoding="utf-8"?>
+<file path=ppt/slides/slide15.xml><?xml version="1.0" encoding="utf-8"?>
 <p:sld xmlns:a="http://schemas.openxmlformats.org/drawingml/2006/main" xmlns:r="http://schemas.openxmlformats.org/officeDocument/2006/relationships" xmlns:p="http://schemas.openxmlformats.org/presentationml/2006/main">
   <p:cSld>
     <p:spTree>
@@ -8818,7 +9056,7 @@
 </p:sld>
 </file>
 
-<file path=ppt/slides/slide15.xml><?xml version="1.0" encoding="utf-8"?>
+<file path=ppt/slides/slide16.xml><?xml version="1.0" encoding="utf-8"?>
 <p:sld xmlns:a="http://schemas.openxmlformats.org/drawingml/2006/main" xmlns:r="http://schemas.openxmlformats.org/officeDocument/2006/relationships" xmlns:p="http://schemas.openxmlformats.org/presentationml/2006/main">
   <p:cSld>
     <p:spTree>
@@ -8932,7 +9170,7 @@
 </p:sld>
 </file>
 
-<file path=ppt/slides/slide16.xml><?xml version="1.0" encoding="utf-8"?>
+<file path=ppt/slides/slide17.xml><?xml version="1.0" encoding="utf-8"?>
 <p:sld xmlns:a="http://schemas.openxmlformats.org/drawingml/2006/main" xmlns:r="http://schemas.openxmlformats.org/officeDocument/2006/relationships" xmlns:p="http://schemas.openxmlformats.org/presentationml/2006/main">
   <p:cSld>
     <p:spTree>
@@ -9248,7 +9486,7 @@
 </p:sld>
 </file>
 
-<file path=ppt/slides/slide17.xml><?xml version="1.0" encoding="utf-8"?>
+<file path=ppt/slides/slide18.xml><?xml version="1.0" encoding="utf-8"?>
 <p:sld xmlns:a="http://schemas.openxmlformats.org/drawingml/2006/main" xmlns:r="http://schemas.openxmlformats.org/officeDocument/2006/relationships" xmlns:p="http://schemas.openxmlformats.org/presentationml/2006/main">
   <p:cSld>
     <p:spTree>
@@ -12217,7 +12455,7 @@
                   <a:latin typeface="微软雅黑" panose="020B0503020204020204" pitchFamily="34" charset="-122"/>
                   <a:ea typeface="微软雅黑" panose="020B0503020204020204" pitchFamily="34" charset="-122"/>
                 </a:rPr>
-                <a:t>部分功能数据未对接</a:t>
+                <a:t>部分数据接口未对接</a:t>
               </a:r>
               <a:endParaRPr lang="en-US" altLang="zh-CN" sz="1400" dirty="0">
                 <a:solidFill>
@@ -13279,7 +13517,7 @@
 </p:sld>
 </file>
 
-<file path=ppt/slides/slide18.xml><?xml version="1.0" encoding="utf-8"?>
+<file path=ppt/slides/slide19.xml><?xml version="1.0" encoding="utf-8"?>
 <p:sld xmlns:a="http://schemas.openxmlformats.org/drawingml/2006/main" xmlns:r="http://schemas.openxmlformats.org/officeDocument/2006/relationships" xmlns:p="http://schemas.openxmlformats.org/presentationml/2006/main">
   <p:cSld>
     <p:spTree>
@@ -13594,7 +13832,472 @@
 </p:sld>
 </file>
 
-<file path=ppt/slides/slide19.xml><?xml version="1.0" encoding="utf-8"?>
+<file path=ppt/slides/slide2.xml><?xml version="1.0" encoding="utf-8"?>
+<p:sld xmlns:a="http://schemas.openxmlformats.org/drawingml/2006/main" xmlns:r="http://schemas.openxmlformats.org/officeDocument/2006/relationships" xmlns:p="http://schemas.openxmlformats.org/presentationml/2006/main">
+  <p:cSld>
+    <p:spTree>
+      <p:nvGrpSpPr>
+        <p:cNvPr id="1" name=""/>
+        <p:cNvGrpSpPr/>
+        <p:nvPr/>
+      </p:nvGrpSpPr>
+      <p:grpSpPr>
+        <a:xfrm>
+          <a:off x="0" y="0"/>
+          <a:ext cx="0" cy="0"/>
+          <a:chOff x="0" y="0"/>
+          <a:chExt cx="0" cy="0"/>
+        </a:xfrm>
+      </p:grpSpPr>
+      <p:pic>
+        <p:nvPicPr>
+          <p:cNvPr id="11" name="图片 10">
+            <a:extLst>
+              <a:ext uri="{FF2B5EF4-FFF2-40B4-BE49-F238E27FC236}">
+                <a16:creationId xmlns:a16="http://schemas.microsoft.com/office/drawing/2014/main" id="{92F4BEC2-B33D-4249-9366-3F93BA5D9C9E}"/>
+              </a:ext>
+            </a:extLst>
+          </p:cNvPr>
+          <p:cNvPicPr>
+            <a:picLocks noChangeAspect="1"/>
+          </p:cNvPicPr>
+          <p:nvPr/>
+        </p:nvPicPr>
+        <p:blipFill rotWithShape="1">
+          <a:blip r:embed="rId3">
+            <a:extLst>
+              <a:ext uri="{28A0092B-C50C-407E-A947-70E740481C1C}">
+                <a14:useLocalDpi xmlns:a14="http://schemas.microsoft.com/office/drawing/2010/main" val="0"/>
+              </a:ext>
+            </a:extLst>
+          </a:blip>
+          <a:srcRect t="34916" b="25375"/>
+          <a:stretch/>
+        </p:blipFill>
+        <p:spPr>
+          <a:xfrm>
+            <a:off x="0" y="2644552"/>
+            <a:ext cx="9144000" cy="2592288"/>
+          </a:xfrm>
+          <a:prstGeom prst="rect">
+            <a:avLst/>
+          </a:prstGeom>
+        </p:spPr>
+      </p:pic>
+      <p:sp>
+        <p:nvSpPr>
+          <p:cNvPr id="17" name="文本框 6">
+            <a:extLst>
+              <a:ext uri="{FF2B5EF4-FFF2-40B4-BE49-F238E27FC236}">
+                <a16:creationId xmlns:a16="http://schemas.microsoft.com/office/drawing/2014/main" id="{F566691B-179A-47AF-9D54-29550010D842}"/>
+              </a:ext>
+            </a:extLst>
+          </p:cNvPr>
+          <p:cNvSpPr txBox="1"/>
+          <p:nvPr/>
+        </p:nvSpPr>
+        <p:spPr>
+          <a:xfrm>
+            <a:off x="1403648" y="1696907"/>
+            <a:ext cx="6742480" cy="623248"/>
+          </a:xfrm>
+          <a:prstGeom prst="rect">
+            <a:avLst/>
+          </a:prstGeom>
+          <a:noFill/>
+        </p:spPr>
+        <p:txBody>
+          <a:bodyPr wrap="square" lIns="68580" tIns="34290" rIns="68580" bIns="34290" rtlCol="0">
+            <a:spAutoFit/>
+          </a:bodyPr>
+          <a:lstStyle/>
+          <a:p>
+            <a:pPr algn="ctr"/>
+            <a:r>
+              <a:rPr lang="zh-CN" altLang="en-US" sz="3600" dirty="0">
+                <a:solidFill>
+                  <a:schemeClr val="tx1">
+                    <a:lumMod val="75000"/>
+                    <a:lumOff val="25000"/>
+                  </a:schemeClr>
+                </a:solidFill>
+                <a:latin typeface="微软雅黑" charset="0"/>
+                <a:ea typeface="微软雅黑" charset="0"/>
+              </a:rPr>
+              <a:t>宠物生活</a:t>
+            </a:r>
+            <a:r>
+              <a:rPr lang="en-US" altLang="zh-CN" sz="3600" dirty="0">
+                <a:solidFill>
+                  <a:schemeClr val="tx1">
+                    <a:lumMod val="75000"/>
+                    <a:lumOff val="25000"/>
+                  </a:schemeClr>
+                </a:solidFill>
+                <a:latin typeface="微软雅黑" charset="0"/>
+                <a:ea typeface="微软雅黑" charset="0"/>
+              </a:rPr>
+              <a:t>APP</a:t>
+            </a:r>
+            <a:r>
+              <a:rPr lang="zh-CN" altLang="en-US" sz="3600" dirty="0">
+                <a:solidFill>
+                  <a:schemeClr val="tx1">
+                    <a:lumMod val="75000"/>
+                    <a:lumOff val="25000"/>
+                  </a:schemeClr>
+                </a:solidFill>
+                <a:latin typeface="微软雅黑" charset="0"/>
+                <a:ea typeface="微软雅黑" charset="0"/>
+              </a:rPr>
+              <a:t>的设计与实现</a:t>
+            </a:r>
+          </a:p>
+        </p:txBody>
+      </p:sp>
+      <p:sp>
+        <p:nvSpPr>
+          <p:cNvPr id="18" name="文本框 10">
+            <a:extLst>
+              <a:ext uri="{FF2B5EF4-FFF2-40B4-BE49-F238E27FC236}">
+                <a16:creationId xmlns:a16="http://schemas.microsoft.com/office/drawing/2014/main" id="{300DC75A-C78E-4F2B-8280-12B3748B2D19}"/>
+              </a:ext>
+            </a:extLst>
+          </p:cNvPr>
+          <p:cNvSpPr txBox="1"/>
+          <p:nvPr/>
+        </p:nvSpPr>
+        <p:spPr>
+          <a:xfrm>
+            <a:off x="1855237" y="2456130"/>
+            <a:ext cx="5839301" cy="300082"/>
+          </a:xfrm>
+          <a:prstGeom prst="rect">
+            <a:avLst/>
+          </a:prstGeom>
+          <a:noFill/>
+          <a:ln w="9525">
+            <a:noFill/>
+            <a:miter/>
+          </a:ln>
+          <a:effectLst/>
+        </p:spPr>
+        <p:txBody>
+          <a:bodyPr vert="horz" wrap="square" lIns="68580" tIns="34290" rIns="68580" bIns="34290" anchor="t">
+            <a:spAutoFit/>
+          </a:bodyPr>
+          <a:lstStyle/>
+          <a:p>
+            <a:pPr lvl="0" algn="ctr" eaLnBrk="0" hangingPunct="0"/>
+            <a:r>
+              <a:rPr lang="en-US" altLang="zh-CN" sz="1500" dirty="0">
+                <a:solidFill>
+                  <a:schemeClr val="tx1">
+                    <a:lumMod val="75000"/>
+                    <a:lumOff val="25000"/>
+                  </a:schemeClr>
+                </a:solidFill>
+                <a:latin typeface="Meiryo" charset="0"/>
+                <a:ea typeface="Meiryo" charset="0"/>
+              </a:rPr>
+              <a:t> THE DESIGN AND IMPLEMENTATION OF PET LIFE APP</a:t>
+            </a:r>
+          </a:p>
+        </p:txBody>
+      </p:sp>
+      <p:sp>
+        <p:nvSpPr>
+          <p:cNvPr id="19" name="TextBox 54">
+            <a:extLst>
+              <a:ext uri="{FF2B5EF4-FFF2-40B4-BE49-F238E27FC236}">
+                <a16:creationId xmlns:a16="http://schemas.microsoft.com/office/drawing/2014/main" id="{6432639A-F943-4396-B64A-59ECE12E8961}"/>
+              </a:ext>
+            </a:extLst>
+          </p:cNvPr>
+          <p:cNvSpPr txBox="1"/>
+          <p:nvPr/>
+        </p:nvSpPr>
+        <p:spPr>
+          <a:xfrm>
+            <a:off x="3393423" y="2789608"/>
+            <a:ext cx="3036354" cy="307748"/>
+          </a:xfrm>
+          <a:prstGeom prst="rect">
+            <a:avLst/>
+          </a:prstGeom>
+          <a:noFill/>
+        </p:spPr>
+        <p:txBody>
+          <a:bodyPr wrap="none" lIns="91413" tIns="45706" rIns="91413" bIns="45706" rtlCol="0">
+            <a:spAutoFit/>
+          </a:bodyPr>
+          <a:lstStyle/>
+          <a:p>
+            <a:pPr algn="ctr"/>
+            <a:r>
+              <a:rPr lang="zh-CN" altLang="en-US" sz="1400" dirty="0">
+                <a:solidFill>
+                  <a:schemeClr val="tx1">
+                    <a:lumMod val="75000"/>
+                    <a:lumOff val="25000"/>
+                  </a:schemeClr>
+                </a:solidFill>
+                <a:latin typeface="微软雅黑" pitchFamily="34" charset="-122"/>
+                <a:ea typeface="微软雅黑" pitchFamily="34" charset="-122"/>
+              </a:rPr>
+              <a:t>汇报人：邓文武   指导教师：林开标</a:t>
+            </a:r>
+          </a:p>
+        </p:txBody>
+      </p:sp>
+      <p:cxnSp>
+        <p:nvCxnSpPr>
+          <p:cNvPr id="20" name="直接连接符 19">
+            <a:extLst>
+              <a:ext uri="{FF2B5EF4-FFF2-40B4-BE49-F238E27FC236}">
+                <a16:creationId xmlns:a16="http://schemas.microsoft.com/office/drawing/2014/main" id="{F8B92979-33B1-43AB-8ADB-A1F60F59AA7E}"/>
+              </a:ext>
+            </a:extLst>
+          </p:cNvPr>
+          <p:cNvCxnSpPr>
+            <a:cxnSpLocks/>
+          </p:cNvCxnSpPr>
+          <p:nvPr/>
+        </p:nvCxnSpPr>
+        <p:spPr>
+          <a:xfrm flipH="1">
+            <a:off x="6336196" y="2943482"/>
+            <a:ext cx="957222" cy="0"/>
+          </a:xfrm>
+          <a:prstGeom prst="line">
+            <a:avLst/>
+          </a:prstGeom>
+          <a:ln>
+            <a:solidFill>
+              <a:schemeClr val="tx1">
+                <a:lumMod val="75000"/>
+                <a:lumOff val="25000"/>
+              </a:schemeClr>
+            </a:solidFill>
+            <a:prstDash val="lgDash"/>
+          </a:ln>
+        </p:spPr>
+        <p:style>
+          <a:lnRef idx="1">
+            <a:schemeClr val="accent1"/>
+          </a:lnRef>
+          <a:fillRef idx="0">
+            <a:schemeClr val="accent1"/>
+          </a:fillRef>
+          <a:effectRef idx="0">
+            <a:schemeClr val="accent1"/>
+          </a:effectRef>
+          <a:fontRef idx="minor">
+            <a:schemeClr val="tx1"/>
+          </a:fontRef>
+        </p:style>
+      </p:cxnSp>
+      <p:cxnSp>
+        <p:nvCxnSpPr>
+          <p:cNvPr id="21" name="直接连接符 20">
+            <a:extLst>
+              <a:ext uri="{FF2B5EF4-FFF2-40B4-BE49-F238E27FC236}">
+                <a16:creationId xmlns:a16="http://schemas.microsoft.com/office/drawing/2014/main" id="{659DB4E8-B4A7-47A1-8B19-321F3E481536}"/>
+              </a:ext>
+            </a:extLst>
+          </p:cNvPr>
+          <p:cNvCxnSpPr>
+            <a:cxnSpLocks/>
+          </p:cNvCxnSpPr>
+          <p:nvPr/>
+        </p:nvCxnSpPr>
+        <p:spPr>
+          <a:xfrm flipH="1">
+            <a:off x="2231740" y="2943482"/>
+            <a:ext cx="1156619" cy="0"/>
+          </a:xfrm>
+          <a:prstGeom prst="line">
+            <a:avLst/>
+          </a:prstGeom>
+          <a:ln>
+            <a:solidFill>
+              <a:schemeClr val="tx1">
+                <a:lumMod val="75000"/>
+                <a:lumOff val="25000"/>
+              </a:schemeClr>
+            </a:solidFill>
+            <a:prstDash val="lgDash"/>
+          </a:ln>
+        </p:spPr>
+        <p:style>
+          <a:lnRef idx="1">
+            <a:schemeClr val="accent1"/>
+          </a:lnRef>
+          <a:fillRef idx="0">
+            <a:schemeClr val="accent1"/>
+          </a:fillRef>
+          <a:effectRef idx="0">
+            <a:schemeClr val="accent1"/>
+          </a:effectRef>
+          <a:fontRef idx="minor">
+            <a:schemeClr val="tx1"/>
+          </a:fontRef>
+        </p:style>
+      </p:cxnSp>
+    </p:spTree>
+    <p:extLst>
+      <p:ext uri="{BB962C8B-B14F-4D97-AF65-F5344CB8AC3E}">
+        <p14:creationId xmlns:p14="http://schemas.microsoft.com/office/powerpoint/2010/main" val="351257020"/>
+      </p:ext>
+    </p:extLst>
+  </p:cSld>
+  <p:clrMapOvr>
+    <a:masterClrMapping/>
+  </p:clrMapOvr>
+  <mc:AlternateContent xmlns:mc="http://schemas.openxmlformats.org/markup-compatibility/2006" xmlns:p14="http://schemas.microsoft.com/office/powerpoint/2010/main">
+    <mc:Choice Requires="p14">
+      <p:transition p14:dur="0"/>
+    </mc:Choice>
+    <mc:Fallback xmlns="">
+      <p:transition/>
+    </mc:Fallback>
+  </mc:AlternateContent>
+  <p:timing>
+    <p:tnLst>
+      <p:par>
+        <p:cTn id="1" dur="indefinite" restart="never" nodeType="tmRoot">
+          <p:childTnLst>
+            <p:seq concurrent="1" nextAc="seek">
+              <p:cTn id="2" dur="indefinite" nodeType="mainSeq">
+                <p:childTnLst>
+                  <p:par>
+                    <p:cTn id="3" fill="hold">
+                      <p:stCondLst>
+                        <p:cond delay="indefinite"/>
+                        <p:cond evt="onBegin" delay="0">
+                          <p:tn val="2"/>
+                        </p:cond>
+                      </p:stCondLst>
+                      <p:childTnLst>
+                        <p:par>
+                          <p:cTn id="4" fill="hold">
+                            <p:stCondLst>
+                              <p:cond delay="0"/>
+                            </p:stCondLst>
+                            <p:childTnLst>
+                              <p:par>
+                                <p:cTn id="5" presetID="42" presetClass="entr" presetSubtype="0" fill="hold" nodeType="withEffect">
+                                  <p:stCondLst>
+                                    <p:cond delay="0"/>
+                                  </p:stCondLst>
+                                  <p:childTnLst>
+                                    <p:set>
+                                      <p:cBhvr>
+                                        <p:cTn id="6" dur="1" fill="hold">
+                                          <p:stCondLst>
+                                            <p:cond delay="0"/>
+                                          </p:stCondLst>
+                                        </p:cTn>
+                                        <p:tgtEl>
+                                          <p:spTgt spid="11"/>
+                                        </p:tgtEl>
+                                        <p:attrNameLst>
+                                          <p:attrName>style.visibility</p:attrName>
+                                        </p:attrNameLst>
+                                      </p:cBhvr>
+                                      <p:to>
+                                        <p:strVal val="visible"/>
+                                      </p:to>
+                                    </p:set>
+                                    <p:animEffect transition="in" filter="fade">
+                                      <p:cBhvr>
+                                        <p:cTn id="7" dur="1000"/>
+                                        <p:tgtEl>
+                                          <p:spTgt spid="11"/>
+                                        </p:tgtEl>
+                                      </p:cBhvr>
+                                    </p:animEffect>
+                                    <p:anim calcmode="lin" valueType="num">
+                                      <p:cBhvr>
+                                        <p:cTn id="8" dur="1000" fill="hold"/>
+                                        <p:tgtEl>
+                                          <p:spTgt spid="11"/>
+                                        </p:tgtEl>
+                                        <p:attrNameLst>
+                                          <p:attrName>ppt_x</p:attrName>
+                                        </p:attrNameLst>
+                                      </p:cBhvr>
+                                      <p:tavLst>
+                                        <p:tav tm="0">
+                                          <p:val>
+                                            <p:strVal val="#ppt_x"/>
+                                          </p:val>
+                                        </p:tav>
+                                        <p:tav tm="100000">
+                                          <p:val>
+                                            <p:strVal val="#ppt_x"/>
+                                          </p:val>
+                                        </p:tav>
+                                      </p:tavLst>
+                                    </p:anim>
+                                    <p:anim calcmode="lin" valueType="num">
+                                      <p:cBhvr>
+                                        <p:cTn id="9" dur="1000" fill="hold"/>
+                                        <p:tgtEl>
+                                          <p:spTgt spid="11"/>
+                                        </p:tgtEl>
+                                        <p:attrNameLst>
+                                          <p:attrName>ppt_y</p:attrName>
+                                        </p:attrNameLst>
+                                      </p:cBhvr>
+                                      <p:tavLst>
+                                        <p:tav tm="0">
+                                          <p:val>
+                                            <p:strVal val="#ppt_y+.1"/>
+                                          </p:val>
+                                        </p:tav>
+                                        <p:tav tm="100000">
+                                          <p:val>
+                                            <p:strVal val="#ppt_y"/>
+                                          </p:val>
+                                        </p:tav>
+                                      </p:tavLst>
+                                    </p:anim>
+                                  </p:childTnLst>
+                                </p:cTn>
+                              </p:par>
+                            </p:childTnLst>
+                          </p:cTn>
+                        </p:par>
+                      </p:childTnLst>
+                    </p:cTn>
+                  </p:par>
+                </p:childTnLst>
+              </p:cTn>
+              <p:prevCondLst>
+                <p:cond evt="onPrev" delay="0">
+                  <p:tgtEl>
+                    <p:sldTgt/>
+                  </p:tgtEl>
+                </p:cond>
+              </p:prevCondLst>
+              <p:nextCondLst>
+                <p:cond evt="onNext" delay="0">
+                  <p:tgtEl>
+                    <p:sldTgt/>
+                  </p:tgtEl>
+                </p:cond>
+              </p:nextCondLst>
+            </p:seq>
+          </p:childTnLst>
+        </p:cTn>
+      </p:par>
+    </p:tnLst>
+  </p:timing>
+</p:sld>
+</file>
+
+<file path=ppt/slides/slide20.xml><?xml version="1.0" encoding="utf-8"?>
 <p:sld xmlns:a="http://schemas.openxmlformats.org/drawingml/2006/main" xmlns:r="http://schemas.openxmlformats.org/officeDocument/2006/relationships" xmlns:p="http://schemas.openxmlformats.org/presentationml/2006/main">
   <p:cSld>
     <p:spTree>
@@ -14084,7 +14787,7 @@
                 <a:latin typeface="微软雅黑" panose="020B0503020204020204" pitchFamily="34" charset="-122"/>
                 <a:ea typeface="微软雅黑" panose="020B0503020204020204" pitchFamily="34" charset="-122"/>
               </a:rPr>
-              <a:t>宠物定位无从下手</a:t>
+              <a:t>宠物定位</a:t>
             </a:r>
             <a:endParaRPr lang="en-US" sz="1600" b="1" dirty="0">
               <a:solidFill>
@@ -14133,7 +14836,7 @@
                 <a:latin typeface="微软雅黑" panose="020B0503020204020204" pitchFamily="34" charset="-122"/>
                 <a:ea typeface="微软雅黑" panose="020B0503020204020204" pitchFamily="34" charset="-122"/>
               </a:rPr>
-              <a:t>路线推荐不了解</a:t>
+              <a:t>路线推荐算法问题</a:t>
             </a:r>
             <a:endParaRPr lang="en-US" sz="1600" b="1" dirty="0">
               <a:solidFill>
@@ -14159,7 +14862,7 @@
         </p:nvSpPr>
         <p:spPr>
           <a:xfrm>
-            <a:off x="5454537" y="3288290"/>
+            <a:off x="5824554" y="3309543"/>
             <a:ext cx="2328247" cy="338546"/>
           </a:xfrm>
           <a:prstGeom prst="rect">
@@ -15005,472 +15708,7 @@
 </p:sld>
 </file>
 
-<file path=ppt/slides/slide2.xml><?xml version="1.0" encoding="utf-8"?>
-<p:sld xmlns:a="http://schemas.openxmlformats.org/drawingml/2006/main" xmlns:r="http://schemas.openxmlformats.org/officeDocument/2006/relationships" xmlns:p="http://schemas.openxmlformats.org/presentationml/2006/main">
-  <p:cSld>
-    <p:spTree>
-      <p:nvGrpSpPr>
-        <p:cNvPr id="1" name=""/>
-        <p:cNvGrpSpPr/>
-        <p:nvPr/>
-      </p:nvGrpSpPr>
-      <p:grpSpPr>
-        <a:xfrm>
-          <a:off x="0" y="0"/>
-          <a:ext cx="0" cy="0"/>
-          <a:chOff x="0" y="0"/>
-          <a:chExt cx="0" cy="0"/>
-        </a:xfrm>
-      </p:grpSpPr>
-      <p:pic>
-        <p:nvPicPr>
-          <p:cNvPr id="11" name="图片 10">
-            <a:extLst>
-              <a:ext uri="{FF2B5EF4-FFF2-40B4-BE49-F238E27FC236}">
-                <a16:creationId xmlns:a16="http://schemas.microsoft.com/office/drawing/2014/main" id="{92F4BEC2-B33D-4249-9366-3F93BA5D9C9E}"/>
-              </a:ext>
-            </a:extLst>
-          </p:cNvPr>
-          <p:cNvPicPr>
-            <a:picLocks noChangeAspect="1"/>
-          </p:cNvPicPr>
-          <p:nvPr/>
-        </p:nvPicPr>
-        <p:blipFill rotWithShape="1">
-          <a:blip r:embed="rId3">
-            <a:extLst>
-              <a:ext uri="{28A0092B-C50C-407E-A947-70E740481C1C}">
-                <a14:useLocalDpi xmlns:a14="http://schemas.microsoft.com/office/drawing/2010/main" val="0"/>
-              </a:ext>
-            </a:extLst>
-          </a:blip>
-          <a:srcRect t="34916" b="25375"/>
-          <a:stretch/>
-        </p:blipFill>
-        <p:spPr>
-          <a:xfrm>
-            <a:off x="0" y="2644552"/>
-            <a:ext cx="9144000" cy="2592288"/>
-          </a:xfrm>
-          <a:prstGeom prst="rect">
-            <a:avLst/>
-          </a:prstGeom>
-        </p:spPr>
-      </p:pic>
-      <p:sp>
-        <p:nvSpPr>
-          <p:cNvPr id="17" name="文本框 6">
-            <a:extLst>
-              <a:ext uri="{FF2B5EF4-FFF2-40B4-BE49-F238E27FC236}">
-                <a16:creationId xmlns:a16="http://schemas.microsoft.com/office/drawing/2014/main" id="{F566691B-179A-47AF-9D54-29550010D842}"/>
-              </a:ext>
-            </a:extLst>
-          </p:cNvPr>
-          <p:cNvSpPr txBox="1"/>
-          <p:nvPr/>
-        </p:nvSpPr>
-        <p:spPr>
-          <a:xfrm>
-            <a:off x="1403648" y="1696907"/>
-            <a:ext cx="6742480" cy="623248"/>
-          </a:xfrm>
-          <a:prstGeom prst="rect">
-            <a:avLst/>
-          </a:prstGeom>
-          <a:noFill/>
-        </p:spPr>
-        <p:txBody>
-          <a:bodyPr wrap="square" lIns="68580" tIns="34290" rIns="68580" bIns="34290" rtlCol="0">
-            <a:spAutoFit/>
-          </a:bodyPr>
-          <a:lstStyle/>
-          <a:p>
-            <a:pPr algn="ctr"/>
-            <a:r>
-              <a:rPr lang="zh-CN" altLang="en-US" sz="3600" dirty="0">
-                <a:solidFill>
-                  <a:schemeClr val="tx1">
-                    <a:lumMod val="75000"/>
-                    <a:lumOff val="25000"/>
-                  </a:schemeClr>
-                </a:solidFill>
-                <a:latin typeface="微软雅黑" charset="0"/>
-                <a:ea typeface="微软雅黑" charset="0"/>
-              </a:rPr>
-              <a:t>宠物生活</a:t>
-            </a:r>
-            <a:r>
-              <a:rPr lang="en-US" altLang="zh-CN" sz="3600" dirty="0">
-                <a:solidFill>
-                  <a:schemeClr val="tx1">
-                    <a:lumMod val="75000"/>
-                    <a:lumOff val="25000"/>
-                  </a:schemeClr>
-                </a:solidFill>
-                <a:latin typeface="微软雅黑" charset="0"/>
-                <a:ea typeface="微软雅黑" charset="0"/>
-              </a:rPr>
-              <a:t>APP</a:t>
-            </a:r>
-            <a:r>
-              <a:rPr lang="zh-CN" altLang="en-US" sz="3600" dirty="0">
-                <a:solidFill>
-                  <a:schemeClr val="tx1">
-                    <a:lumMod val="75000"/>
-                    <a:lumOff val="25000"/>
-                  </a:schemeClr>
-                </a:solidFill>
-                <a:latin typeface="微软雅黑" charset="0"/>
-                <a:ea typeface="微软雅黑" charset="0"/>
-              </a:rPr>
-              <a:t>的设计与实现</a:t>
-            </a:r>
-          </a:p>
-        </p:txBody>
-      </p:sp>
-      <p:sp>
-        <p:nvSpPr>
-          <p:cNvPr id="18" name="文本框 10">
-            <a:extLst>
-              <a:ext uri="{FF2B5EF4-FFF2-40B4-BE49-F238E27FC236}">
-                <a16:creationId xmlns:a16="http://schemas.microsoft.com/office/drawing/2014/main" id="{300DC75A-C78E-4F2B-8280-12B3748B2D19}"/>
-              </a:ext>
-            </a:extLst>
-          </p:cNvPr>
-          <p:cNvSpPr txBox="1"/>
-          <p:nvPr/>
-        </p:nvSpPr>
-        <p:spPr>
-          <a:xfrm>
-            <a:off x="1855237" y="2456130"/>
-            <a:ext cx="5839301" cy="300082"/>
-          </a:xfrm>
-          <a:prstGeom prst="rect">
-            <a:avLst/>
-          </a:prstGeom>
-          <a:noFill/>
-          <a:ln w="9525">
-            <a:noFill/>
-            <a:miter/>
-          </a:ln>
-          <a:effectLst/>
-        </p:spPr>
-        <p:txBody>
-          <a:bodyPr vert="horz" wrap="square" lIns="68580" tIns="34290" rIns="68580" bIns="34290" anchor="t">
-            <a:spAutoFit/>
-          </a:bodyPr>
-          <a:lstStyle/>
-          <a:p>
-            <a:pPr lvl="0" algn="ctr" eaLnBrk="0" hangingPunct="0"/>
-            <a:r>
-              <a:rPr lang="en-US" altLang="zh-CN" sz="1500" dirty="0">
-                <a:solidFill>
-                  <a:schemeClr val="tx1">
-                    <a:lumMod val="75000"/>
-                    <a:lumOff val="25000"/>
-                  </a:schemeClr>
-                </a:solidFill>
-                <a:latin typeface="Meiryo" charset="0"/>
-                <a:ea typeface="Meiryo" charset="0"/>
-              </a:rPr>
-              <a:t> THE DESIGN AND IMPLEMENTATION OF PET LIFE APP</a:t>
-            </a:r>
-          </a:p>
-        </p:txBody>
-      </p:sp>
-      <p:sp>
-        <p:nvSpPr>
-          <p:cNvPr id="19" name="TextBox 54">
-            <a:extLst>
-              <a:ext uri="{FF2B5EF4-FFF2-40B4-BE49-F238E27FC236}">
-                <a16:creationId xmlns:a16="http://schemas.microsoft.com/office/drawing/2014/main" id="{6432639A-F943-4396-B64A-59ECE12E8961}"/>
-              </a:ext>
-            </a:extLst>
-          </p:cNvPr>
-          <p:cNvSpPr txBox="1"/>
-          <p:nvPr/>
-        </p:nvSpPr>
-        <p:spPr>
-          <a:xfrm>
-            <a:off x="3393423" y="2789608"/>
-            <a:ext cx="3036354" cy="307748"/>
-          </a:xfrm>
-          <a:prstGeom prst="rect">
-            <a:avLst/>
-          </a:prstGeom>
-          <a:noFill/>
-        </p:spPr>
-        <p:txBody>
-          <a:bodyPr wrap="none" lIns="91413" tIns="45706" rIns="91413" bIns="45706" rtlCol="0">
-            <a:spAutoFit/>
-          </a:bodyPr>
-          <a:lstStyle/>
-          <a:p>
-            <a:pPr algn="ctr"/>
-            <a:r>
-              <a:rPr lang="zh-CN" altLang="en-US" sz="1400" dirty="0">
-                <a:solidFill>
-                  <a:schemeClr val="tx1">
-                    <a:lumMod val="75000"/>
-                    <a:lumOff val="25000"/>
-                  </a:schemeClr>
-                </a:solidFill>
-                <a:latin typeface="微软雅黑" pitchFamily="34" charset="-122"/>
-                <a:ea typeface="微软雅黑" pitchFamily="34" charset="-122"/>
-              </a:rPr>
-              <a:t>汇报人：邓文武   指导教师：林开标</a:t>
-            </a:r>
-          </a:p>
-        </p:txBody>
-      </p:sp>
-      <p:cxnSp>
-        <p:nvCxnSpPr>
-          <p:cNvPr id="20" name="直接连接符 19">
-            <a:extLst>
-              <a:ext uri="{FF2B5EF4-FFF2-40B4-BE49-F238E27FC236}">
-                <a16:creationId xmlns:a16="http://schemas.microsoft.com/office/drawing/2014/main" id="{F8B92979-33B1-43AB-8ADB-A1F60F59AA7E}"/>
-              </a:ext>
-            </a:extLst>
-          </p:cNvPr>
-          <p:cNvCxnSpPr>
-            <a:cxnSpLocks/>
-          </p:cNvCxnSpPr>
-          <p:nvPr/>
-        </p:nvCxnSpPr>
-        <p:spPr>
-          <a:xfrm flipH="1">
-            <a:off x="6336196" y="2943482"/>
-            <a:ext cx="957222" cy="0"/>
-          </a:xfrm>
-          <a:prstGeom prst="line">
-            <a:avLst/>
-          </a:prstGeom>
-          <a:ln>
-            <a:solidFill>
-              <a:schemeClr val="tx1">
-                <a:lumMod val="75000"/>
-                <a:lumOff val="25000"/>
-              </a:schemeClr>
-            </a:solidFill>
-            <a:prstDash val="lgDash"/>
-          </a:ln>
-        </p:spPr>
-        <p:style>
-          <a:lnRef idx="1">
-            <a:schemeClr val="accent1"/>
-          </a:lnRef>
-          <a:fillRef idx="0">
-            <a:schemeClr val="accent1"/>
-          </a:fillRef>
-          <a:effectRef idx="0">
-            <a:schemeClr val="accent1"/>
-          </a:effectRef>
-          <a:fontRef idx="minor">
-            <a:schemeClr val="tx1"/>
-          </a:fontRef>
-        </p:style>
-      </p:cxnSp>
-      <p:cxnSp>
-        <p:nvCxnSpPr>
-          <p:cNvPr id="21" name="直接连接符 20">
-            <a:extLst>
-              <a:ext uri="{FF2B5EF4-FFF2-40B4-BE49-F238E27FC236}">
-                <a16:creationId xmlns:a16="http://schemas.microsoft.com/office/drawing/2014/main" id="{659DB4E8-B4A7-47A1-8B19-321F3E481536}"/>
-              </a:ext>
-            </a:extLst>
-          </p:cNvPr>
-          <p:cNvCxnSpPr>
-            <a:cxnSpLocks/>
-          </p:cNvCxnSpPr>
-          <p:nvPr/>
-        </p:nvCxnSpPr>
-        <p:spPr>
-          <a:xfrm flipH="1">
-            <a:off x="2231740" y="2943482"/>
-            <a:ext cx="1156619" cy="0"/>
-          </a:xfrm>
-          <a:prstGeom prst="line">
-            <a:avLst/>
-          </a:prstGeom>
-          <a:ln>
-            <a:solidFill>
-              <a:schemeClr val="tx1">
-                <a:lumMod val="75000"/>
-                <a:lumOff val="25000"/>
-              </a:schemeClr>
-            </a:solidFill>
-            <a:prstDash val="lgDash"/>
-          </a:ln>
-        </p:spPr>
-        <p:style>
-          <a:lnRef idx="1">
-            <a:schemeClr val="accent1"/>
-          </a:lnRef>
-          <a:fillRef idx="0">
-            <a:schemeClr val="accent1"/>
-          </a:fillRef>
-          <a:effectRef idx="0">
-            <a:schemeClr val="accent1"/>
-          </a:effectRef>
-          <a:fontRef idx="minor">
-            <a:schemeClr val="tx1"/>
-          </a:fontRef>
-        </p:style>
-      </p:cxnSp>
-    </p:spTree>
-    <p:extLst>
-      <p:ext uri="{BB962C8B-B14F-4D97-AF65-F5344CB8AC3E}">
-        <p14:creationId xmlns:p14="http://schemas.microsoft.com/office/powerpoint/2010/main" val="351257020"/>
-      </p:ext>
-    </p:extLst>
-  </p:cSld>
-  <p:clrMapOvr>
-    <a:masterClrMapping/>
-  </p:clrMapOvr>
-  <mc:AlternateContent xmlns:mc="http://schemas.openxmlformats.org/markup-compatibility/2006" xmlns:p14="http://schemas.microsoft.com/office/powerpoint/2010/main">
-    <mc:Choice Requires="p14">
-      <p:transition p14:dur="0"/>
-    </mc:Choice>
-    <mc:Fallback xmlns="">
-      <p:transition/>
-    </mc:Fallback>
-  </mc:AlternateContent>
-  <p:timing>
-    <p:tnLst>
-      <p:par>
-        <p:cTn id="1" dur="indefinite" restart="never" nodeType="tmRoot">
-          <p:childTnLst>
-            <p:seq concurrent="1" nextAc="seek">
-              <p:cTn id="2" dur="indefinite" nodeType="mainSeq">
-                <p:childTnLst>
-                  <p:par>
-                    <p:cTn id="3" fill="hold">
-                      <p:stCondLst>
-                        <p:cond delay="indefinite"/>
-                        <p:cond evt="onBegin" delay="0">
-                          <p:tn val="2"/>
-                        </p:cond>
-                      </p:stCondLst>
-                      <p:childTnLst>
-                        <p:par>
-                          <p:cTn id="4" fill="hold">
-                            <p:stCondLst>
-                              <p:cond delay="0"/>
-                            </p:stCondLst>
-                            <p:childTnLst>
-                              <p:par>
-                                <p:cTn id="5" presetID="42" presetClass="entr" presetSubtype="0" fill="hold" nodeType="withEffect">
-                                  <p:stCondLst>
-                                    <p:cond delay="0"/>
-                                  </p:stCondLst>
-                                  <p:childTnLst>
-                                    <p:set>
-                                      <p:cBhvr>
-                                        <p:cTn id="6" dur="1" fill="hold">
-                                          <p:stCondLst>
-                                            <p:cond delay="0"/>
-                                          </p:stCondLst>
-                                        </p:cTn>
-                                        <p:tgtEl>
-                                          <p:spTgt spid="11"/>
-                                        </p:tgtEl>
-                                        <p:attrNameLst>
-                                          <p:attrName>style.visibility</p:attrName>
-                                        </p:attrNameLst>
-                                      </p:cBhvr>
-                                      <p:to>
-                                        <p:strVal val="visible"/>
-                                      </p:to>
-                                    </p:set>
-                                    <p:animEffect transition="in" filter="fade">
-                                      <p:cBhvr>
-                                        <p:cTn id="7" dur="1000"/>
-                                        <p:tgtEl>
-                                          <p:spTgt spid="11"/>
-                                        </p:tgtEl>
-                                      </p:cBhvr>
-                                    </p:animEffect>
-                                    <p:anim calcmode="lin" valueType="num">
-                                      <p:cBhvr>
-                                        <p:cTn id="8" dur="1000" fill="hold"/>
-                                        <p:tgtEl>
-                                          <p:spTgt spid="11"/>
-                                        </p:tgtEl>
-                                        <p:attrNameLst>
-                                          <p:attrName>ppt_x</p:attrName>
-                                        </p:attrNameLst>
-                                      </p:cBhvr>
-                                      <p:tavLst>
-                                        <p:tav tm="0">
-                                          <p:val>
-                                            <p:strVal val="#ppt_x"/>
-                                          </p:val>
-                                        </p:tav>
-                                        <p:tav tm="100000">
-                                          <p:val>
-                                            <p:strVal val="#ppt_x"/>
-                                          </p:val>
-                                        </p:tav>
-                                      </p:tavLst>
-                                    </p:anim>
-                                    <p:anim calcmode="lin" valueType="num">
-                                      <p:cBhvr>
-                                        <p:cTn id="9" dur="1000" fill="hold"/>
-                                        <p:tgtEl>
-                                          <p:spTgt spid="11"/>
-                                        </p:tgtEl>
-                                        <p:attrNameLst>
-                                          <p:attrName>ppt_y</p:attrName>
-                                        </p:attrNameLst>
-                                      </p:cBhvr>
-                                      <p:tavLst>
-                                        <p:tav tm="0">
-                                          <p:val>
-                                            <p:strVal val="#ppt_y+.1"/>
-                                          </p:val>
-                                        </p:tav>
-                                        <p:tav tm="100000">
-                                          <p:val>
-                                            <p:strVal val="#ppt_y"/>
-                                          </p:val>
-                                        </p:tav>
-                                      </p:tavLst>
-                                    </p:anim>
-                                  </p:childTnLst>
-                                </p:cTn>
-                              </p:par>
-                            </p:childTnLst>
-                          </p:cTn>
-                        </p:par>
-                      </p:childTnLst>
-                    </p:cTn>
-                  </p:par>
-                </p:childTnLst>
-              </p:cTn>
-              <p:prevCondLst>
-                <p:cond evt="onPrev" delay="0">
-                  <p:tgtEl>
-                    <p:sldTgt/>
-                  </p:tgtEl>
-                </p:cond>
-              </p:prevCondLst>
-              <p:nextCondLst>
-                <p:cond evt="onNext" delay="0">
-                  <p:tgtEl>
-                    <p:sldTgt/>
-                  </p:tgtEl>
-                </p:cond>
-              </p:nextCondLst>
-            </p:seq>
-          </p:childTnLst>
-        </p:cTn>
-      </p:par>
-    </p:tnLst>
-  </p:timing>
-</p:sld>
-</file>
-
-<file path=ppt/slides/slide20.xml><?xml version="1.0" encoding="utf-8"?>
+<file path=ppt/slides/slide21.xml><?xml version="1.0" encoding="utf-8"?>
 <p:sld xmlns:a="http://schemas.openxmlformats.org/drawingml/2006/main" xmlns:r="http://schemas.openxmlformats.org/officeDocument/2006/relationships" xmlns:p="http://schemas.openxmlformats.org/presentationml/2006/main">
   <p:cSld>
     <p:spTree>
@@ -18006,15 +18244,22 @@
             <a:p>
               <a:pPr algn="ctr"/>
               <a:r>
-                <a:rPr lang="zh-CN" altLang="en-US" sz="1200" b="1" dirty="0">
+                <a:rPr lang="zh-CN" altLang="en-US" sz="1200" b="1">
                   <a:solidFill>
                     <a:schemeClr val="bg1"/>
                   </a:solidFill>
                   <a:latin typeface="微软雅黑" panose="020B0503020204020204" pitchFamily="34" charset="-122"/>
                   <a:ea typeface="微软雅黑" panose="020B0503020204020204" pitchFamily="34" charset="-122"/>
                 </a:rPr>
-                <a:t>医疗</a:t>
+                <a:t>医疗帮助</a:t>
               </a:r>
+              <a:endParaRPr lang="zh-CN" altLang="en-US" sz="1200" b="1" dirty="0">
+                <a:solidFill>
+                  <a:schemeClr val="bg1"/>
+                </a:solidFill>
+                <a:latin typeface="微软雅黑" panose="020B0503020204020204" pitchFamily="34" charset="-122"/>
+                <a:ea typeface="微软雅黑" panose="020B0503020204020204" pitchFamily="34" charset="-122"/>
+              </a:endParaRPr>
             </a:p>
           </p:txBody>
         </p:sp>
@@ -28756,10 +29001,10 @@
         </p:nvGrpSpPr>
         <p:grpSpPr>
           <a:xfrm>
-            <a:off x="5479517" y="1982775"/>
-            <a:ext cx="1097281" cy="957213"/>
+            <a:off x="5493861" y="1655130"/>
+            <a:ext cx="1144711" cy="957213"/>
             <a:chOff x="3429000" y="2201383"/>
-            <a:chExt cx="1097281" cy="956919"/>
+            <a:chExt cx="1144711" cy="956919"/>
           </a:xfrm>
         </p:grpSpPr>
         <p:sp>
@@ -29143,9 +29388,9 @@
           <p:grpSpPr>
             <a:xfrm>
               <a:off x="3429000" y="2201383"/>
-              <a:ext cx="883024" cy="261530"/>
+              <a:ext cx="1144711" cy="261529"/>
               <a:chOff x="3429000" y="2201383"/>
-              <a:chExt cx="883024" cy="261530"/>
+              <a:chExt cx="1144711" cy="261529"/>
             </a:xfrm>
           </p:grpSpPr>
           <p:sp>
@@ -29285,7 +29530,7 @@
             <p:spPr>
               <a:xfrm>
                 <a:off x="3581399" y="2201383"/>
-                <a:ext cx="730625" cy="261530"/>
+                <a:ext cx="992312" cy="261529"/>
               </a:xfrm>
               <a:prstGeom prst="rect">
                 <a:avLst/>
@@ -29309,8 +29554,31 @@
                     <a:latin typeface="微软雅黑" panose="020B0503020204020204" pitchFamily="34" charset="-122"/>
                     <a:ea typeface="微软雅黑" panose="020B0503020204020204" pitchFamily="34" charset="-122"/>
                   </a:rPr>
-                  <a:t>SSM</a:t>
+                  <a:t>S</a:t>
                 </a:r>
+                <a:r>
+                  <a:rPr lang="en-US" altLang="zh-CN" sz="1100" dirty="0">
+                    <a:solidFill>
+                      <a:schemeClr val="tx1">
+                        <a:lumMod val="50000"/>
+                        <a:lumOff val="50000"/>
+                      </a:schemeClr>
+                    </a:solidFill>
+                    <a:latin typeface="微软雅黑" panose="020B0503020204020204" pitchFamily="34" charset="-122"/>
+                    <a:ea typeface="微软雅黑" panose="020B0503020204020204" pitchFamily="34" charset="-122"/>
+                  </a:rPr>
+                  <a:t>pring Boot</a:t>
+                </a:r>
+                <a:endParaRPr lang="en-US" sz="1100" dirty="0">
+                  <a:solidFill>
+                    <a:schemeClr val="tx1">
+                      <a:lumMod val="50000"/>
+                      <a:lumOff val="50000"/>
+                    </a:schemeClr>
+                  </a:solidFill>
+                  <a:latin typeface="微软雅黑" panose="020B0503020204020204" pitchFamily="34" charset="-122"/>
+                  <a:ea typeface="微软雅黑" panose="020B0503020204020204" pitchFamily="34" charset="-122"/>
+                </a:endParaRPr>
               </a:p>
             </p:txBody>
           </p:sp>
@@ -29485,7 +29753,7 @@
         </p:nvSpPr>
         <p:spPr bwMode="auto">
           <a:xfrm>
-            <a:off x="5483104" y="2984394"/>
+            <a:off x="5497448" y="2656749"/>
             <a:ext cx="150607" cy="151965"/>
           </a:xfrm>
           <a:custGeom>
@@ -29607,7 +29875,7 @@
         </p:nvSpPr>
         <p:spPr>
           <a:xfrm>
-            <a:off x="5622103" y="2935383"/>
+            <a:off x="5636447" y="2607738"/>
             <a:ext cx="684031" cy="261610"/>
           </a:xfrm>
           <a:prstGeom prst="rect">
@@ -29634,6 +29902,182 @@
               </a:rPr>
               <a:t>Redis</a:t>
             </a:r>
+          </a:p>
+        </p:txBody>
+      </p:sp>
+      <p:sp>
+        <p:nvSpPr>
+          <p:cNvPr id="171" name="Freeform 281">
+            <a:extLst>
+              <a:ext uri="{FF2B5EF4-FFF2-40B4-BE49-F238E27FC236}">
+                <a16:creationId xmlns:a16="http://schemas.microsoft.com/office/drawing/2014/main" id="{65B93CEB-5D6D-4AB6-8428-4AED3F1AF3B3}"/>
+              </a:ext>
+            </a:extLst>
+          </p:cNvPr>
+          <p:cNvSpPr/>
+          <p:nvPr/>
+        </p:nvSpPr>
+        <p:spPr bwMode="auto">
+          <a:xfrm>
+            <a:off x="5487865" y="2944086"/>
+            <a:ext cx="150607" cy="151965"/>
+          </a:xfrm>
+          <a:custGeom>
+            <a:avLst/>
+            <a:gdLst/>
+            <a:ahLst/>
+            <a:cxnLst>
+              <a:cxn ang="0">
+                <a:pos x="37" y="30"/>
+              </a:cxn>
+              <a:cxn ang="0">
+                <a:pos x="30" y="37"/>
+              </a:cxn>
+              <a:cxn ang="0">
+                <a:pos x="7" y="37"/>
+              </a:cxn>
+              <a:cxn ang="0">
+                <a:pos x="0" y="30"/>
+              </a:cxn>
+              <a:cxn ang="0">
+                <a:pos x="0" y="7"/>
+              </a:cxn>
+              <a:cxn ang="0">
+                <a:pos x="7" y="0"/>
+              </a:cxn>
+              <a:cxn ang="0">
+                <a:pos x="30" y="0"/>
+              </a:cxn>
+              <a:cxn ang="0">
+                <a:pos x="37" y="7"/>
+              </a:cxn>
+              <a:cxn ang="0">
+                <a:pos x="37" y="30"/>
+              </a:cxn>
+            </a:cxnLst>
+            <a:rect l="0" t="0" r="r" b="b"/>
+            <a:pathLst>
+              <a:path w="37" h="37">
+                <a:moveTo>
+                  <a:pt x="37" y="30"/>
+                </a:moveTo>
+                <a:cubicBezTo>
+                  <a:pt x="37" y="34"/>
+                  <a:pt x="34" y="37"/>
+                  <a:pt x="30" y="37"/>
+                </a:cubicBezTo>
+                <a:cubicBezTo>
+                  <a:pt x="7" y="37"/>
+                  <a:pt x="7" y="37"/>
+                  <a:pt x="7" y="37"/>
+                </a:cubicBezTo>
+                <a:cubicBezTo>
+                  <a:pt x="4" y="37"/>
+                  <a:pt x="0" y="34"/>
+                  <a:pt x="0" y="30"/>
+                </a:cubicBezTo>
+                <a:cubicBezTo>
+                  <a:pt x="0" y="7"/>
+                  <a:pt x="0" y="7"/>
+                  <a:pt x="0" y="7"/>
+                </a:cubicBezTo>
+                <a:cubicBezTo>
+                  <a:pt x="0" y="3"/>
+                  <a:pt x="4" y="0"/>
+                  <a:pt x="7" y="0"/>
+                </a:cubicBezTo>
+                <a:cubicBezTo>
+                  <a:pt x="30" y="0"/>
+                  <a:pt x="30" y="0"/>
+                  <a:pt x="30" y="0"/>
+                </a:cubicBezTo>
+                <a:cubicBezTo>
+                  <a:pt x="34" y="0"/>
+                  <a:pt x="37" y="3"/>
+                  <a:pt x="37" y="7"/>
+                </a:cubicBezTo>
+                <a:lnTo>
+                  <a:pt x="37" y="30"/>
+                </a:lnTo>
+                <a:close/>
+              </a:path>
+            </a:pathLst>
+          </a:custGeom>
+          <a:solidFill>
+            <a:schemeClr val="accent4"/>
+          </a:solidFill>
+          <a:ln w="9525">
+            <a:noFill/>
+            <a:round/>
+          </a:ln>
+        </p:spPr>
+        <p:txBody>
+          <a:bodyPr vert="horz" wrap="square" lIns="121920" tIns="60960" rIns="121920" bIns="60960" numCol="1" anchor="t" anchorCtr="0" compatLnSpc="1"/>
+          <a:lstStyle/>
+          <a:p>
+            <a:endParaRPr lang="en-US" sz="1400" dirty="0">
+              <a:solidFill>
+                <a:schemeClr val="tx1">
+                  <a:lumMod val="50000"/>
+                  <a:lumOff val="50000"/>
+                </a:schemeClr>
+              </a:solidFill>
+              <a:latin typeface="微软雅黑" panose="020B0503020204020204" pitchFamily="34" charset="-122"/>
+            </a:endParaRPr>
+          </a:p>
+        </p:txBody>
+      </p:sp>
+      <p:sp>
+        <p:nvSpPr>
+          <p:cNvPr id="172" name="TextBox 268">
+            <a:extLst>
+              <a:ext uri="{FF2B5EF4-FFF2-40B4-BE49-F238E27FC236}">
+                <a16:creationId xmlns:a16="http://schemas.microsoft.com/office/drawing/2014/main" id="{21773A39-6DC9-4BEB-8008-C260C8245F3E}"/>
+              </a:ext>
+            </a:extLst>
+          </p:cNvPr>
+          <p:cNvSpPr txBox="1"/>
+          <p:nvPr/>
+        </p:nvSpPr>
+        <p:spPr>
+          <a:xfrm>
+            <a:off x="5626864" y="2895076"/>
+            <a:ext cx="715615" cy="261610"/>
+          </a:xfrm>
+          <a:prstGeom prst="rect">
+            <a:avLst/>
+          </a:prstGeom>
+          <a:noFill/>
+        </p:spPr>
+        <p:txBody>
+          <a:bodyPr wrap="square" rtlCol="0">
+            <a:spAutoFit/>
+          </a:bodyPr>
+          <a:lstStyle/>
+          <a:p>
+            <a:r>
+              <a:rPr lang="en-US" sz="1100" dirty="0" err="1">
+                <a:solidFill>
+                  <a:schemeClr val="tx1">
+                    <a:lumMod val="50000"/>
+                    <a:lumOff val="50000"/>
+                  </a:schemeClr>
+                </a:solidFill>
+                <a:latin typeface="微软雅黑" panose="020B0503020204020204" pitchFamily="34" charset="-122"/>
+                <a:ea typeface="微软雅黑" panose="020B0503020204020204" pitchFamily="34" charset="-122"/>
+              </a:rPr>
+              <a:t>mybatis</a:t>
+            </a:r>
+            <a:endParaRPr lang="en-US" sz="1100" dirty="0">
+              <a:solidFill>
+                <a:schemeClr val="tx1">
+                  <a:lumMod val="50000"/>
+                  <a:lumOff val="50000"/>
+                </a:schemeClr>
+              </a:solidFill>
+              <a:latin typeface="微软雅黑" panose="020B0503020204020204" pitchFamily="34" charset="-122"/>
+              <a:ea typeface="微软雅黑" panose="020B0503020204020204" pitchFamily="34" charset="-122"/>
+            </a:endParaRPr>
           </a:p>
         </p:txBody>
       </p:sp>
@@ -30009,7 +30453,7 @@
         <p:spPr>
           <a:xfrm>
             <a:off x="71500" y="160276"/>
-            <a:ext cx="1858201" cy="369332"/>
+            <a:ext cx="1396536" cy="369332"/>
           </a:xfrm>
           <a:prstGeom prst="rect">
             <a:avLst/>
@@ -30031,7 +30475,7 @@
                 <a:latin typeface="微软雅黑" panose="020B0503020204020204" pitchFamily="34" charset="-122"/>
                 <a:ea typeface="微软雅黑" panose="020B0503020204020204" pitchFamily="34" charset="-122"/>
               </a:rPr>
-              <a:t>首页模块界面</a:t>
+              <a:t>首页模块</a:t>
             </a:r>
           </a:p>
         </p:txBody>
@@ -30239,7 +30683,7 @@
         <p:spPr>
           <a:xfrm>
             <a:off x="71500" y="160276"/>
-            <a:ext cx="1858201" cy="369332"/>
+            <a:ext cx="1396536" cy="369332"/>
           </a:xfrm>
           <a:prstGeom prst="rect">
             <a:avLst/>
@@ -30261,7 +30705,7 @@
                 <a:latin typeface="微软雅黑" panose="020B0503020204020204" pitchFamily="34" charset="-122"/>
                 <a:ea typeface="微软雅黑" panose="020B0503020204020204" pitchFamily="34" charset="-122"/>
               </a:rPr>
-              <a:t>发现模块界面</a:t>
+              <a:t>发现模块</a:t>
             </a:r>
           </a:p>
         </p:txBody>
